--- a/Flutter.pptx
+++ b/Flutter.pptx
@@ -4,6 +4,9 @@
   <p:sldMasterIdLst>
     <p:sldMasterId id="2147483725" r:id="rId1"/>
   </p:sldMasterIdLst>
+  <p:notesMasterIdLst>
+    <p:notesMasterId r:id="rId19"/>
+  </p:notesMasterIdLst>
   <p:sldIdLst>
     <p:sldId id="256" r:id="rId2"/>
     <p:sldId id="257" r:id="rId3"/>
@@ -120,7 +123,2630 @@
       </a:defRPr>
     </a:lvl9pPr>
   </p:defaultTextStyle>
+  <p:extLst>
+    <p:ext uri="{EFAFB233-063F-42B5-8137-9DF3F51BA10A}">
+      <p15:sldGuideLst xmlns:p15="http://schemas.microsoft.com/office/powerpoint/2012/main"/>
+    </p:ext>
+  </p:extLst>
 </p:presentation>
+</file>
+
+<file path=ppt/notesMasters/notesMaster1.xml><?xml version="1.0" encoding="utf-8"?>
+<p:notesMaster xmlns:a="http://schemas.openxmlformats.org/drawingml/2006/main" xmlns:r="http://schemas.openxmlformats.org/officeDocument/2006/relationships" xmlns:p="http://schemas.openxmlformats.org/presentationml/2006/main">
+  <p:cSld>
+    <p:bg>
+      <p:bgRef idx="1001">
+        <a:schemeClr val="bg1"/>
+      </p:bgRef>
+    </p:bg>
+    <p:spTree>
+      <p:nvGrpSpPr>
+        <p:cNvPr id="1" name=""/>
+        <p:cNvGrpSpPr/>
+        <p:nvPr/>
+      </p:nvGrpSpPr>
+      <p:grpSpPr>
+        <a:xfrm>
+          <a:off x="0" y="0"/>
+          <a:ext cx="0" cy="0"/>
+          <a:chOff x="0" y="0"/>
+          <a:chExt cx="0" cy="0"/>
+        </a:xfrm>
+      </p:grpSpPr>
+      <p:sp>
+        <p:nvSpPr>
+          <p:cNvPr id="2" name="Header Placeholder 1"/>
+          <p:cNvSpPr>
+            <a:spLocks noGrp="1"/>
+          </p:cNvSpPr>
+          <p:nvPr>
+            <p:ph type="hdr" sz="quarter"/>
+          </p:nvPr>
+        </p:nvSpPr>
+        <p:spPr>
+          <a:xfrm>
+            <a:off x="0" y="0"/>
+            <a:ext cx="2971800" cy="458788"/>
+          </a:xfrm>
+          <a:prstGeom prst="rect">
+            <a:avLst/>
+          </a:prstGeom>
+        </p:spPr>
+        <p:txBody>
+          <a:bodyPr vert="horz" lIns="91440" tIns="45720" rIns="91440" bIns="45720" rtlCol="0"/>
+          <a:lstStyle>
+            <a:lvl1pPr algn="l">
+              <a:defRPr sz="1200"/>
+            </a:lvl1pPr>
+          </a:lstStyle>
+          <a:p>
+            <a:endParaRPr lang="de-DE"/>
+          </a:p>
+        </p:txBody>
+      </p:sp>
+      <p:sp>
+        <p:nvSpPr>
+          <p:cNvPr id="3" name="Date Placeholder 2"/>
+          <p:cNvSpPr>
+            <a:spLocks noGrp="1"/>
+          </p:cNvSpPr>
+          <p:nvPr>
+            <p:ph type="dt" idx="1"/>
+          </p:nvPr>
+        </p:nvSpPr>
+        <p:spPr>
+          <a:xfrm>
+            <a:off x="3884613" y="0"/>
+            <a:ext cx="2971800" cy="458788"/>
+          </a:xfrm>
+          <a:prstGeom prst="rect">
+            <a:avLst/>
+          </a:prstGeom>
+        </p:spPr>
+        <p:txBody>
+          <a:bodyPr vert="horz" lIns="91440" tIns="45720" rIns="91440" bIns="45720" rtlCol="0"/>
+          <a:lstStyle>
+            <a:lvl1pPr algn="r">
+              <a:defRPr sz="1200"/>
+            </a:lvl1pPr>
+          </a:lstStyle>
+          <a:p>
+            <a:fld id="{5C229C11-7B62-4608-9453-1494E0D4F836}" type="datetimeFigureOut">
+              <a:rPr lang="de-DE" smtClean="0"/>
+              <a:t>05.06.2023</a:t>
+            </a:fld>
+            <a:endParaRPr lang="de-DE"/>
+          </a:p>
+        </p:txBody>
+      </p:sp>
+      <p:sp>
+        <p:nvSpPr>
+          <p:cNvPr id="4" name="Slide Image Placeholder 3"/>
+          <p:cNvSpPr>
+            <a:spLocks noGrp="1" noRot="1" noChangeAspect="1"/>
+          </p:cNvSpPr>
+          <p:nvPr>
+            <p:ph type="sldImg" idx="2"/>
+          </p:nvPr>
+        </p:nvSpPr>
+        <p:spPr>
+          <a:xfrm>
+            <a:off x="685800" y="1143000"/>
+            <a:ext cx="5486400" cy="3086100"/>
+          </a:xfrm>
+          <a:prstGeom prst="rect">
+            <a:avLst/>
+          </a:prstGeom>
+          <a:noFill/>
+          <a:ln w="12700">
+            <a:solidFill>
+              <a:prstClr val="black"/>
+            </a:solidFill>
+          </a:ln>
+        </p:spPr>
+        <p:txBody>
+          <a:bodyPr vert="horz" lIns="91440" tIns="45720" rIns="91440" bIns="45720" rtlCol="0" anchor="ctr"/>
+          <a:lstStyle/>
+          <a:p>
+            <a:endParaRPr lang="de-DE"/>
+          </a:p>
+        </p:txBody>
+      </p:sp>
+      <p:sp>
+        <p:nvSpPr>
+          <p:cNvPr id="5" name="Notes Placeholder 4"/>
+          <p:cNvSpPr>
+            <a:spLocks noGrp="1"/>
+          </p:cNvSpPr>
+          <p:nvPr>
+            <p:ph type="body" sz="quarter" idx="3"/>
+          </p:nvPr>
+        </p:nvSpPr>
+        <p:spPr>
+          <a:xfrm>
+            <a:off x="685800" y="4400550"/>
+            <a:ext cx="5486400" cy="3600450"/>
+          </a:xfrm>
+          <a:prstGeom prst="rect">
+            <a:avLst/>
+          </a:prstGeom>
+        </p:spPr>
+        <p:txBody>
+          <a:bodyPr vert="horz" lIns="91440" tIns="45720" rIns="91440" bIns="45720" rtlCol="0"/>
+          <a:lstStyle/>
+          <a:p>
+            <a:pPr lvl="0"/>
+            <a:r>
+              <a:rPr lang="en-US"/>
+              <a:t>Click to edit Master text styles</a:t>
+            </a:r>
+          </a:p>
+          <a:p>
+            <a:pPr lvl="1"/>
+            <a:r>
+              <a:rPr lang="en-US"/>
+              <a:t>Second level</a:t>
+            </a:r>
+          </a:p>
+          <a:p>
+            <a:pPr lvl="2"/>
+            <a:r>
+              <a:rPr lang="en-US"/>
+              <a:t>Third level</a:t>
+            </a:r>
+          </a:p>
+          <a:p>
+            <a:pPr lvl="3"/>
+            <a:r>
+              <a:rPr lang="en-US"/>
+              <a:t>Fourth level</a:t>
+            </a:r>
+          </a:p>
+          <a:p>
+            <a:pPr lvl="4"/>
+            <a:r>
+              <a:rPr lang="en-US"/>
+              <a:t>Fifth level</a:t>
+            </a:r>
+            <a:endParaRPr lang="de-DE"/>
+          </a:p>
+        </p:txBody>
+      </p:sp>
+      <p:sp>
+        <p:nvSpPr>
+          <p:cNvPr id="6" name="Footer Placeholder 5"/>
+          <p:cNvSpPr>
+            <a:spLocks noGrp="1"/>
+          </p:cNvSpPr>
+          <p:nvPr>
+            <p:ph type="ftr" sz="quarter" idx="4"/>
+          </p:nvPr>
+        </p:nvSpPr>
+        <p:spPr>
+          <a:xfrm>
+            <a:off x="0" y="8685213"/>
+            <a:ext cx="2971800" cy="458787"/>
+          </a:xfrm>
+          <a:prstGeom prst="rect">
+            <a:avLst/>
+          </a:prstGeom>
+        </p:spPr>
+        <p:txBody>
+          <a:bodyPr vert="horz" lIns="91440" tIns="45720" rIns="91440" bIns="45720" rtlCol="0" anchor="b"/>
+          <a:lstStyle>
+            <a:lvl1pPr algn="l">
+              <a:defRPr sz="1200"/>
+            </a:lvl1pPr>
+          </a:lstStyle>
+          <a:p>
+            <a:endParaRPr lang="de-DE"/>
+          </a:p>
+        </p:txBody>
+      </p:sp>
+      <p:sp>
+        <p:nvSpPr>
+          <p:cNvPr id="7" name="Slide Number Placeholder 6"/>
+          <p:cNvSpPr>
+            <a:spLocks noGrp="1"/>
+          </p:cNvSpPr>
+          <p:nvPr>
+            <p:ph type="sldNum" sz="quarter" idx="5"/>
+          </p:nvPr>
+        </p:nvSpPr>
+        <p:spPr>
+          <a:xfrm>
+            <a:off x="3884613" y="8685213"/>
+            <a:ext cx="2971800" cy="458787"/>
+          </a:xfrm>
+          <a:prstGeom prst="rect">
+            <a:avLst/>
+          </a:prstGeom>
+        </p:spPr>
+        <p:txBody>
+          <a:bodyPr vert="horz" lIns="91440" tIns="45720" rIns="91440" bIns="45720" rtlCol="0" anchor="b"/>
+          <a:lstStyle>
+            <a:lvl1pPr algn="r">
+              <a:defRPr sz="1200"/>
+            </a:lvl1pPr>
+          </a:lstStyle>
+          <a:p>
+            <a:fld id="{F9B1DB93-1B8F-4168-B96A-C37214D58B76}" type="slidenum">
+              <a:rPr lang="de-DE" smtClean="0"/>
+              <a:t>‹#›</a:t>
+            </a:fld>
+            <a:endParaRPr lang="de-DE"/>
+          </a:p>
+        </p:txBody>
+      </p:sp>
+    </p:spTree>
+    <p:extLst>
+      <p:ext uri="{BB962C8B-B14F-4D97-AF65-F5344CB8AC3E}">
+        <p14:creationId xmlns:p14="http://schemas.microsoft.com/office/powerpoint/2010/main" val="2490544656"/>
+      </p:ext>
+    </p:extLst>
+  </p:cSld>
+  <p:clrMap bg1="lt1" tx1="dk1" bg2="lt2" tx2="dk2" accent1="accent1" accent2="accent2" accent3="accent3" accent4="accent4" accent5="accent5" accent6="accent6" hlink="hlink" folHlink="folHlink"/>
+  <p:notesStyle>
+    <a:lvl1pPr marL="0" algn="l" defTabSz="914400" rtl="0" eaLnBrk="1" latinLnBrk="0" hangingPunct="1">
+      <a:defRPr sz="1200" kern="1200">
+        <a:solidFill>
+          <a:schemeClr val="tx1"/>
+        </a:solidFill>
+        <a:latin typeface="+mn-lt"/>
+        <a:ea typeface="+mn-ea"/>
+        <a:cs typeface="+mn-cs"/>
+      </a:defRPr>
+    </a:lvl1pPr>
+    <a:lvl2pPr marL="457200" algn="l" defTabSz="914400" rtl="0" eaLnBrk="1" latinLnBrk="0" hangingPunct="1">
+      <a:defRPr sz="1200" kern="1200">
+        <a:solidFill>
+          <a:schemeClr val="tx1"/>
+        </a:solidFill>
+        <a:latin typeface="+mn-lt"/>
+        <a:ea typeface="+mn-ea"/>
+        <a:cs typeface="+mn-cs"/>
+      </a:defRPr>
+    </a:lvl2pPr>
+    <a:lvl3pPr marL="914400" algn="l" defTabSz="914400" rtl="0" eaLnBrk="1" latinLnBrk="0" hangingPunct="1">
+      <a:defRPr sz="1200" kern="1200">
+        <a:solidFill>
+          <a:schemeClr val="tx1"/>
+        </a:solidFill>
+        <a:latin typeface="+mn-lt"/>
+        <a:ea typeface="+mn-ea"/>
+        <a:cs typeface="+mn-cs"/>
+      </a:defRPr>
+    </a:lvl3pPr>
+    <a:lvl4pPr marL="1371600" algn="l" defTabSz="914400" rtl="0" eaLnBrk="1" latinLnBrk="0" hangingPunct="1">
+      <a:defRPr sz="1200" kern="1200">
+        <a:solidFill>
+          <a:schemeClr val="tx1"/>
+        </a:solidFill>
+        <a:latin typeface="+mn-lt"/>
+        <a:ea typeface="+mn-ea"/>
+        <a:cs typeface="+mn-cs"/>
+      </a:defRPr>
+    </a:lvl4pPr>
+    <a:lvl5pPr marL="1828800" algn="l" defTabSz="914400" rtl="0" eaLnBrk="1" latinLnBrk="0" hangingPunct="1">
+      <a:defRPr sz="1200" kern="1200">
+        <a:solidFill>
+          <a:schemeClr val="tx1"/>
+        </a:solidFill>
+        <a:latin typeface="+mn-lt"/>
+        <a:ea typeface="+mn-ea"/>
+        <a:cs typeface="+mn-cs"/>
+      </a:defRPr>
+    </a:lvl5pPr>
+    <a:lvl6pPr marL="2286000" algn="l" defTabSz="914400" rtl="0" eaLnBrk="1" latinLnBrk="0" hangingPunct="1">
+      <a:defRPr sz="1200" kern="1200">
+        <a:solidFill>
+          <a:schemeClr val="tx1"/>
+        </a:solidFill>
+        <a:latin typeface="+mn-lt"/>
+        <a:ea typeface="+mn-ea"/>
+        <a:cs typeface="+mn-cs"/>
+      </a:defRPr>
+    </a:lvl6pPr>
+    <a:lvl7pPr marL="2743200" algn="l" defTabSz="914400" rtl="0" eaLnBrk="1" latinLnBrk="0" hangingPunct="1">
+      <a:defRPr sz="1200" kern="1200">
+        <a:solidFill>
+          <a:schemeClr val="tx1"/>
+        </a:solidFill>
+        <a:latin typeface="+mn-lt"/>
+        <a:ea typeface="+mn-ea"/>
+        <a:cs typeface="+mn-cs"/>
+      </a:defRPr>
+    </a:lvl7pPr>
+    <a:lvl8pPr marL="3200400" algn="l" defTabSz="914400" rtl="0" eaLnBrk="1" latinLnBrk="0" hangingPunct="1">
+      <a:defRPr sz="1200" kern="1200">
+        <a:solidFill>
+          <a:schemeClr val="tx1"/>
+        </a:solidFill>
+        <a:latin typeface="+mn-lt"/>
+        <a:ea typeface="+mn-ea"/>
+        <a:cs typeface="+mn-cs"/>
+      </a:defRPr>
+    </a:lvl8pPr>
+    <a:lvl9pPr marL="3657600" algn="l" defTabSz="914400" rtl="0" eaLnBrk="1" latinLnBrk="0" hangingPunct="1">
+      <a:defRPr sz="1200" kern="1200">
+        <a:solidFill>
+          <a:schemeClr val="tx1"/>
+        </a:solidFill>
+        <a:latin typeface="+mn-lt"/>
+        <a:ea typeface="+mn-ea"/>
+        <a:cs typeface="+mn-cs"/>
+      </a:defRPr>
+    </a:lvl9pPr>
+  </p:notesStyle>
+</p:notesMaster>
+</file>
+
+<file path=ppt/notesSlides/notesSlide1.xml><?xml version="1.0" encoding="utf-8"?>
+<p:notes xmlns:a="http://schemas.openxmlformats.org/drawingml/2006/main" xmlns:r="http://schemas.openxmlformats.org/officeDocument/2006/relationships" xmlns:p="http://schemas.openxmlformats.org/presentationml/2006/main">
+  <p:cSld>
+    <p:spTree>
+      <p:nvGrpSpPr>
+        <p:cNvPr id="1" name=""/>
+        <p:cNvGrpSpPr/>
+        <p:nvPr/>
+      </p:nvGrpSpPr>
+      <p:grpSpPr>
+        <a:xfrm>
+          <a:off x="0" y="0"/>
+          <a:ext cx="0" cy="0"/>
+          <a:chOff x="0" y="0"/>
+          <a:chExt cx="0" cy="0"/>
+        </a:xfrm>
+      </p:grpSpPr>
+      <p:sp>
+        <p:nvSpPr>
+          <p:cNvPr id="2" name="Slide Image Placeholder 1"/>
+          <p:cNvSpPr>
+            <a:spLocks noGrp="1" noRot="1" noChangeAspect="1"/>
+          </p:cNvSpPr>
+          <p:nvPr>
+            <p:ph type="sldImg"/>
+          </p:nvPr>
+        </p:nvSpPr>
+        <p:spPr/>
+      </p:sp>
+      <p:sp>
+        <p:nvSpPr>
+          <p:cNvPr id="3" name="Notes Placeholder 2"/>
+          <p:cNvSpPr>
+            <a:spLocks noGrp="1"/>
+          </p:cNvSpPr>
+          <p:nvPr>
+            <p:ph type="body" idx="1"/>
+          </p:nvPr>
+        </p:nvSpPr>
+        <p:spPr/>
+        <p:txBody>
+          <a:bodyPr/>
+          <a:lstStyle/>
+          <a:p>
+            <a:endParaRPr lang="de-DE" dirty="0"/>
+          </a:p>
+        </p:txBody>
+      </p:sp>
+      <p:sp>
+        <p:nvSpPr>
+          <p:cNvPr id="4" name="Slide Number Placeholder 3"/>
+          <p:cNvSpPr>
+            <a:spLocks noGrp="1"/>
+          </p:cNvSpPr>
+          <p:nvPr>
+            <p:ph type="sldNum" sz="quarter" idx="5"/>
+          </p:nvPr>
+        </p:nvSpPr>
+        <p:spPr/>
+        <p:txBody>
+          <a:bodyPr/>
+          <a:lstStyle/>
+          <a:p>
+            <a:fld id="{F9B1DB93-1B8F-4168-B96A-C37214D58B76}" type="slidenum">
+              <a:rPr lang="de-DE" smtClean="0"/>
+              <a:t>1</a:t>
+            </a:fld>
+            <a:endParaRPr lang="de-DE"/>
+          </a:p>
+        </p:txBody>
+      </p:sp>
+    </p:spTree>
+    <p:extLst>
+      <p:ext uri="{BB962C8B-B14F-4D97-AF65-F5344CB8AC3E}">
+        <p14:creationId xmlns:p14="http://schemas.microsoft.com/office/powerpoint/2010/main" val="850510750"/>
+      </p:ext>
+    </p:extLst>
+  </p:cSld>
+  <p:clrMapOvr>
+    <a:masterClrMapping/>
+  </p:clrMapOvr>
+</p:notes>
+</file>
+
+<file path=ppt/notesSlides/notesSlide10.xml><?xml version="1.0" encoding="utf-8"?>
+<p:notes xmlns:a="http://schemas.openxmlformats.org/drawingml/2006/main" xmlns:r="http://schemas.openxmlformats.org/officeDocument/2006/relationships" xmlns:p="http://schemas.openxmlformats.org/presentationml/2006/main">
+  <p:cSld>
+    <p:spTree>
+      <p:nvGrpSpPr>
+        <p:cNvPr id="1" name=""/>
+        <p:cNvGrpSpPr/>
+        <p:nvPr/>
+      </p:nvGrpSpPr>
+      <p:grpSpPr>
+        <a:xfrm>
+          <a:off x="0" y="0"/>
+          <a:ext cx="0" cy="0"/>
+          <a:chOff x="0" y="0"/>
+          <a:chExt cx="0" cy="0"/>
+        </a:xfrm>
+      </p:grpSpPr>
+      <p:sp>
+        <p:nvSpPr>
+          <p:cNvPr id="2" name="Slide Image Placeholder 1"/>
+          <p:cNvSpPr>
+            <a:spLocks noGrp="1" noRot="1" noChangeAspect="1"/>
+          </p:cNvSpPr>
+          <p:nvPr>
+            <p:ph type="sldImg"/>
+          </p:nvPr>
+        </p:nvSpPr>
+        <p:spPr/>
+      </p:sp>
+      <p:sp>
+        <p:nvSpPr>
+          <p:cNvPr id="3" name="Notes Placeholder 2"/>
+          <p:cNvSpPr>
+            <a:spLocks noGrp="1"/>
+          </p:cNvSpPr>
+          <p:nvPr>
+            <p:ph type="body" idx="1"/>
+          </p:nvPr>
+        </p:nvSpPr>
+        <p:spPr/>
+        <p:txBody>
+          <a:bodyPr/>
+          <a:lstStyle/>
+          <a:p>
+            <a:pPr marL="171450" indent="-171450">
+              <a:buFont typeface="Arial" panose="020B0604020202020204" pitchFamily="34" charset="0"/>
+              <a:buChar char="•"/>
+            </a:pPr>
+            <a:r>
+              <a:rPr lang="en-US" dirty="0"/>
+              <a:t> Required Tools</a:t>
+            </a:r>
+          </a:p>
+          <a:p>
+            <a:pPr marL="628650" lvl="1" indent="-171450">
+              <a:buFont typeface="Arial" panose="020B0604020202020204" pitchFamily="34" charset="0"/>
+              <a:buChar char="•"/>
+            </a:pPr>
+            <a:r>
+              <a:rPr lang="en-US" dirty="0"/>
+              <a:t>Installation of the Flutter SDK, which includes the Dart SDK.</a:t>
+            </a:r>
+          </a:p>
+          <a:p>
+            <a:pPr marL="628650" lvl="1" indent="-171450">
+              <a:buFont typeface="Arial" panose="020B0604020202020204" pitchFamily="34" charset="0"/>
+              <a:buChar char="•"/>
+            </a:pPr>
+            <a:r>
+              <a:rPr lang="en-US" dirty="0"/>
+              <a:t>Setup of a text editor (Android Studio, IntelliJ, or Visual Studio Code).</a:t>
+            </a:r>
+          </a:p>
+          <a:p>
+            <a:pPr marL="628650" lvl="1" indent="-171450">
+              <a:buFont typeface="Arial" panose="020B0604020202020204" pitchFamily="34" charset="0"/>
+              <a:buChar char="•"/>
+            </a:pPr>
+            <a:r>
+              <a:rPr lang="en-US" dirty="0"/>
+              <a:t>Android Studio and Visual Studio IDE</a:t>
+            </a:r>
+          </a:p>
+          <a:p>
+            <a:pPr marL="628650" lvl="1" indent="-171450">
+              <a:buFont typeface="Arial" panose="020B0604020202020204" pitchFamily="34" charset="0"/>
+              <a:buChar char="•"/>
+            </a:pPr>
+            <a:r>
+              <a:rPr lang="en-US" dirty="0"/>
+              <a:t>Configuration of an Android Emulator or iOS simulator for testing the application.</a:t>
+            </a:r>
+          </a:p>
+          <a:p>
+            <a:pPr marL="171450" indent="-171450">
+              <a:buFont typeface="Arial" panose="020B0604020202020204" pitchFamily="34" charset="0"/>
+              <a:buChar char="•"/>
+            </a:pPr>
+            <a:r>
+              <a:rPr lang="en-US" dirty="0"/>
+              <a:t>Installation Process</a:t>
+            </a:r>
+          </a:p>
+          <a:p>
+            <a:pPr marL="628650" lvl="1" indent="-171450">
+              <a:buFont typeface="Arial" panose="020B0604020202020204" pitchFamily="34" charset="0"/>
+              <a:buChar char="•"/>
+            </a:pPr>
+            <a:r>
+              <a:rPr lang="en-US" dirty="0"/>
+              <a:t>Downloading the Flutter SDK, updating your path, and running the Flutter doctor command.</a:t>
+            </a:r>
+            <a:endParaRPr lang="de-DE" dirty="0"/>
+          </a:p>
+        </p:txBody>
+      </p:sp>
+      <p:sp>
+        <p:nvSpPr>
+          <p:cNvPr id="4" name="Slide Number Placeholder 3"/>
+          <p:cNvSpPr>
+            <a:spLocks noGrp="1"/>
+          </p:cNvSpPr>
+          <p:nvPr>
+            <p:ph type="sldNum" sz="quarter" idx="5"/>
+          </p:nvPr>
+        </p:nvSpPr>
+        <p:spPr/>
+        <p:txBody>
+          <a:bodyPr/>
+          <a:lstStyle/>
+          <a:p>
+            <a:fld id="{F9B1DB93-1B8F-4168-B96A-C37214D58B76}" type="slidenum">
+              <a:rPr lang="de-DE" smtClean="0"/>
+              <a:t>11</a:t>
+            </a:fld>
+            <a:endParaRPr lang="de-DE"/>
+          </a:p>
+        </p:txBody>
+      </p:sp>
+    </p:spTree>
+    <p:extLst>
+      <p:ext uri="{BB962C8B-B14F-4D97-AF65-F5344CB8AC3E}">
+        <p14:creationId xmlns:p14="http://schemas.microsoft.com/office/powerpoint/2010/main" val="3046425132"/>
+      </p:ext>
+    </p:extLst>
+  </p:cSld>
+  <p:clrMapOvr>
+    <a:masterClrMapping/>
+  </p:clrMapOvr>
+</p:notes>
+</file>
+
+<file path=ppt/notesSlides/notesSlide11.xml><?xml version="1.0" encoding="utf-8"?>
+<p:notes xmlns:a="http://schemas.openxmlformats.org/drawingml/2006/main" xmlns:r="http://schemas.openxmlformats.org/officeDocument/2006/relationships" xmlns:p="http://schemas.openxmlformats.org/presentationml/2006/main">
+  <p:cSld>
+    <p:spTree>
+      <p:nvGrpSpPr>
+        <p:cNvPr id="1" name=""/>
+        <p:cNvGrpSpPr/>
+        <p:nvPr/>
+      </p:nvGrpSpPr>
+      <p:grpSpPr>
+        <a:xfrm>
+          <a:off x="0" y="0"/>
+          <a:ext cx="0" cy="0"/>
+          <a:chOff x="0" y="0"/>
+          <a:chExt cx="0" cy="0"/>
+        </a:xfrm>
+      </p:grpSpPr>
+      <p:sp>
+        <p:nvSpPr>
+          <p:cNvPr id="2" name="Slide Image Placeholder 1"/>
+          <p:cNvSpPr>
+            <a:spLocks noGrp="1" noRot="1" noChangeAspect="1"/>
+          </p:cNvSpPr>
+          <p:nvPr>
+            <p:ph type="sldImg"/>
+          </p:nvPr>
+        </p:nvSpPr>
+        <p:spPr/>
+      </p:sp>
+      <p:sp>
+        <p:nvSpPr>
+          <p:cNvPr id="3" name="Notes Placeholder 2"/>
+          <p:cNvSpPr>
+            <a:spLocks noGrp="1"/>
+          </p:cNvSpPr>
+          <p:nvPr>
+            <p:ph type="body" idx="1"/>
+          </p:nvPr>
+        </p:nvSpPr>
+        <p:spPr/>
+        <p:txBody>
+          <a:bodyPr/>
+          <a:lstStyle/>
+          <a:p>
+            <a:pPr marL="171450" indent="-171450">
+              <a:buFont typeface="Arial" panose="020B0604020202020204" pitchFamily="34" charset="0"/>
+              <a:buChar char="•"/>
+            </a:pPr>
+            <a:r>
+              <a:rPr lang="en-US" dirty="0"/>
+              <a:t>Code Walkthrough</a:t>
+            </a:r>
+          </a:p>
+          <a:p>
+            <a:pPr marL="628650" lvl="1" indent="-171450">
+              <a:buFont typeface="Arial" panose="020B0604020202020204" pitchFamily="34" charset="0"/>
+              <a:buChar char="•"/>
+            </a:pPr>
+            <a:r>
+              <a:rPr lang="en-US" dirty="0"/>
+              <a:t>A simple Flutter app includes a </a:t>
+            </a:r>
+            <a:r>
+              <a:rPr lang="en-US" dirty="0" err="1"/>
+              <a:t>main.dart</a:t>
+            </a:r>
+            <a:r>
+              <a:rPr lang="en-US" dirty="0"/>
+              <a:t> file, the entry point of the application.</a:t>
+            </a:r>
+          </a:p>
+          <a:p>
+            <a:pPr marL="628650" lvl="1" indent="-171450">
+              <a:buFont typeface="Arial" panose="020B0604020202020204" pitchFamily="34" charset="0"/>
+              <a:buChar char="•"/>
+            </a:pPr>
+            <a:r>
+              <a:rPr lang="en-US" dirty="0"/>
+              <a:t>The main function calls </a:t>
+            </a:r>
+            <a:r>
+              <a:rPr lang="en-US" dirty="0" err="1"/>
+              <a:t>runApp</a:t>
+            </a:r>
+            <a:r>
+              <a:rPr lang="en-US" dirty="0"/>
+              <a:t>, which inflates the given widget and attaches it to the screen.</a:t>
+            </a:r>
+          </a:p>
+          <a:p>
+            <a:pPr marL="171450" indent="-171450">
+              <a:buFont typeface="Arial" panose="020B0604020202020204" pitchFamily="34" charset="0"/>
+              <a:buChar char="•"/>
+            </a:pPr>
+            <a:r>
+              <a:rPr lang="en-US" dirty="0"/>
+              <a:t>Running the Application</a:t>
+            </a:r>
+          </a:p>
+          <a:p>
+            <a:pPr marL="628650" lvl="1" indent="-171450">
+              <a:buFont typeface="Arial" panose="020B0604020202020204" pitchFamily="34" charset="0"/>
+              <a:buChar char="•"/>
+            </a:pPr>
+            <a:r>
+              <a:rPr lang="en-US" dirty="0"/>
+              <a:t>The application can be run using the flutter run command in the terminal.</a:t>
+            </a:r>
+          </a:p>
+          <a:p>
+            <a:pPr marL="171450" indent="-171450">
+              <a:buFont typeface="Arial" panose="020B0604020202020204" pitchFamily="34" charset="0"/>
+              <a:buChar char="•"/>
+            </a:pPr>
+            <a:r>
+              <a:rPr lang="en-US" dirty="0"/>
+              <a:t>Backend Integration</a:t>
+            </a:r>
+          </a:p>
+          <a:p>
+            <a:pPr marL="628650" lvl="1" indent="-171450">
+              <a:buFont typeface="Arial" panose="020B0604020202020204" pitchFamily="34" charset="0"/>
+              <a:buChar char="•"/>
+            </a:pPr>
+            <a:r>
+              <a:rPr lang="en-US" dirty="0"/>
+              <a:t>Fire- or </a:t>
+            </a:r>
+            <a:r>
+              <a:rPr lang="en-US" dirty="0" err="1"/>
+              <a:t>Supabase</a:t>
+            </a:r>
+            <a:r>
+              <a:rPr lang="en-US" dirty="0"/>
+              <a:t> can easily be used as a backend service for Flutter applications.</a:t>
+            </a:r>
+          </a:p>
+          <a:p>
+            <a:pPr marL="628650" lvl="1" indent="-171450">
+              <a:buFont typeface="Arial" panose="020B0604020202020204" pitchFamily="34" charset="0"/>
+              <a:buChar char="•"/>
+            </a:pPr>
+            <a:r>
+              <a:rPr lang="en-US" dirty="0"/>
+              <a:t>Provides features like authentication, database, and storage.</a:t>
+            </a:r>
+            <a:endParaRPr lang="de-DE" dirty="0"/>
+          </a:p>
+        </p:txBody>
+      </p:sp>
+      <p:sp>
+        <p:nvSpPr>
+          <p:cNvPr id="4" name="Slide Number Placeholder 3"/>
+          <p:cNvSpPr>
+            <a:spLocks noGrp="1"/>
+          </p:cNvSpPr>
+          <p:nvPr>
+            <p:ph type="sldNum" sz="quarter" idx="5"/>
+          </p:nvPr>
+        </p:nvSpPr>
+        <p:spPr/>
+        <p:txBody>
+          <a:bodyPr/>
+          <a:lstStyle/>
+          <a:p>
+            <a:fld id="{F9B1DB93-1B8F-4168-B96A-C37214D58B76}" type="slidenum">
+              <a:rPr lang="de-DE" smtClean="0"/>
+              <a:t>12</a:t>
+            </a:fld>
+            <a:endParaRPr lang="de-DE"/>
+          </a:p>
+        </p:txBody>
+      </p:sp>
+    </p:spTree>
+    <p:extLst>
+      <p:ext uri="{BB962C8B-B14F-4D97-AF65-F5344CB8AC3E}">
+        <p14:creationId xmlns:p14="http://schemas.microsoft.com/office/powerpoint/2010/main" val="3363036174"/>
+      </p:ext>
+    </p:extLst>
+  </p:cSld>
+  <p:clrMapOvr>
+    <a:masterClrMapping/>
+  </p:clrMapOvr>
+</p:notes>
+</file>
+
+<file path=ppt/notesSlides/notesSlide12.xml><?xml version="1.0" encoding="utf-8"?>
+<p:notes xmlns:a="http://schemas.openxmlformats.org/drawingml/2006/main" xmlns:r="http://schemas.openxmlformats.org/officeDocument/2006/relationships" xmlns:p="http://schemas.openxmlformats.org/presentationml/2006/main">
+  <p:cSld>
+    <p:spTree>
+      <p:nvGrpSpPr>
+        <p:cNvPr id="1" name=""/>
+        <p:cNvGrpSpPr/>
+        <p:nvPr/>
+      </p:nvGrpSpPr>
+      <p:grpSpPr>
+        <a:xfrm>
+          <a:off x="0" y="0"/>
+          <a:ext cx="0" cy="0"/>
+          <a:chOff x="0" y="0"/>
+          <a:chExt cx="0" cy="0"/>
+        </a:xfrm>
+      </p:grpSpPr>
+      <p:sp>
+        <p:nvSpPr>
+          <p:cNvPr id="2" name="Slide Image Placeholder 1"/>
+          <p:cNvSpPr>
+            <a:spLocks noGrp="1" noRot="1" noChangeAspect="1"/>
+          </p:cNvSpPr>
+          <p:nvPr>
+            <p:ph type="sldImg"/>
+          </p:nvPr>
+        </p:nvSpPr>
+        <p:spPr/>
+      </p:sp>
+      <p:sp>
+        <p:nvSpPr>
+          <p:cNvPr id="3" name="Notes Placeholder 2"/>
+          <p:cNvSpPr>
+            <a:spLocks noGrp="1"/>
+          </p:cNvSpPr>
+          <p:nvPr>
+            <p:ph type="body" idx="1"/>
+          </p:nvPr>
+        </p:nvSpPr>
+        <p:spPr/>
+        <p:txBody>
+          <a:bodyPr/>
+          <a:lstStyle/>
+          <a:p>
+            <a:pPr marL="171450" indent="-171450">
+              <a:buFont typeface="Arial" panose="020B0604020202020204" pitchFamily="34" charset="0"/>
+              <a:buChar char="•"/>
+            </a:pPr>
+            <a:r>
+              <a:rPr lang="en-US" dirty="0"/>
+              <a:t>Open-source Community</a:t>
+            </a:r>
+          </a:p>
+          <a:p>
+            <a:pPr marL="628650" lvl="1" indent="-171450">
+              <a:buFont typeface="Arial" panose="020B0604020202020204" pitchFamily="34" charset="0"/>
+              <a:buChar char="•"/>
+            </a:pPr>
+            <a:r>
+              <a:rPr lang="en-US" dirty="0"/>
+              <a:t>Flutter has a large and growing open-source community.</a:t>
+            </a:r>
+          </a:p>
+          <a:p>
+            <a:pPr marL="628650" lvl="1" indent="-171450">
+              <a:buFont typeface="Arial" panose="020B0604020202020204" pitchFamily="34" charset="0"/>
+              <a:buChar char="•"/>
+            </a:pPr>
+            <a:r>
+              <a:rPr lang="en-US" dirty="0"/>
+              <a:t>Developers around the world contribute to its development and help improve it.</a:t>
+            </a:r>
+          </a:p>
+          <a:p>
+            <a:pPr marL="171450" indent="-171450">
+              <a:buFont typeface="Arial" panose="020B0604020202020204" pitchFamily="34" charset="0"/>
+              <a:buChar char="•"/>
+            </a:pPr>
+            <a:r>
+              <a:rPr lang="en-US" dirty="0"/>
+              <a:t>Learning Resources</a:t>
+            </a:r>
+          </a:p>
+          <a:p>
+            <a:pPr marL="628650" lvl="1" indent="-171450">
+              <a:buFont typeface="Arial" panose="020B0604020202020204" pitchFamily="34" charset="0"/>
+              <a:buChar char="•"/>
+            </a:pPr>
+            <a:r>
+              <a:rPr lang="en-US" dirty="0"/>
+              <a:t>High quality resources for learning Flutter include Flutter's official documentation, Flutter YouTube channel, Flutter Community Medium, and </a:t>
+            </a:r>
+            <a:r>
+              <a:rPr lang="en-US" dirty="0" err="1"/>
+              <a:t>StackOverflow</a:t>
+            </a:r>
+            <a:r>
+              <a:rPr lang="en-US" dirty="0"/>
+              <a:t>.</a:t>
+            </a:r>
+          </a:p>
+          <a:p>
+            <a:pPr marL="171450" indent="-171450">
+              <a:buFont typeface="Arial" panose="020B0604020202020204" pitchFamily="34" charset="0"/>
+              <a:buChar char="•"/>
+            </a:pPr>
+            <a:r>
+              <a:rPr lang="en-US" dirty="0"/>
+              <a:t>Contribution</a:t>
+            </a:r>
+          </a:p>
+          <a:p>
+            <a:pPr marL="628650" lvl="1" indent="-171450">
+              <a:buFont typeface="Arial" panose="020B0604020202020204" pitchFamily="34" charset="0"/>
+              <a:buChar char="•"/>
+            </a:pPr>
+            <a:r>
+              <a:rPr lang="en-US" dirty="0"/>
+              <a:t>Developers can contribute to the Flutter community by reporting issues, </a:t>
+            </a:r>
+            <a:r>
+              <a:rPr lang="en-US" dirty="0" err="1"/>
+              <a:t>proposingchanges</a:t>
+            </a:r>
+            <a:r>
+              <a:rPr lang="en-US" dirty="0"/>
+              <a:t>, or writing code to improve Flutter.</a:t>
+            </a:r>
+            <a:endParaRPr lang="de-DE" dirty="0"/>
+          </a:p>
+        </p:txBody>
+      </p:sp>
+      <p:sp>
+        <p:nvSpPr>
+          <p:cNvPr id="4" name="Slide Number Placeholder 3"/>
+          <p:cNvSpPr>
+            <a:spLocks noGrp="1"/>
+          </p:cNvSpPr>
+          <p:nvPr>
+            <p:ph type="sldNum" sz="quarter" idx="5"/>
+          </p:nvPr>
+        </p:nvSpPr>
+        <p:spPr/>
+        <p:txBody>
+          <a:bodyPr/>
+          <a:lstStyle/>
+          <a:p>
+            <a:fld id="{F9B1DB93-1B8F-4168-B96A-C37214D58B76}" type="slidenum">
+              <a:rPr lang="de-DE" smtClean="0"/>
+              <a:t>13</a:t>
+            </a:fld>
+            <a:endParaRPr lang="de-DE"/>
+          </a:p>
+        </p:txBody>
+      </p:sp>
+    </p:spTree>
+    <p:extLst>
+      <p:ext uri="{BB962C8B-B14F-4D97-AF65-F5344CB8AC3E}">
+        <p14:creationId xmlns:p14="http://schemas.microsoft.com/office/powerpoint/2010/main" val="2418388067"/>
+      </p:ext>
+    </p:extLst>
+  </p:cSld>
+  <p:clrMapOvr>
+    <a:masterClrMapping/>
+  </p:clrMapOvr>
+</p:notes>
+</file>
+
+<file path=ppt/notesSlides/notesSlide13.xml><?xml version="1.0" encoding="utf-8"?>
+<p:notes xmlns:a="http://schemas.openxmlformats.org/drawingml/2006/main" xmlns:r="http://schemas.openxmlformats.org/officeDocument/2006/relationships" xmlns:p="http://schemas.openxmlformats.org/presentationml/2006/main">
+  <p:cSld>
+    <p:spTree>
+      <p:nvGrpSpPr>
+        <p:cNvPr id="1" name=""/>
+        <p:cNvGrpSpPr/>
+        <p:nvPr/>
+      </p:nvGrpSpPr>
+      <p:grpSpPr>
+        <a:xfrm>
+          <a:off x="0" y="0"/>
+          <a:ext cx="0" cy="0"/>
+          <a:chOff x="0" y="0"/>
+          <a:chExt cx="0" cy="0"/>
+        </a:xfrm>
+      </p:grpSpPr>
+      <p:sp>
+        <p:nvSpPr>
+          <p:cNvPr id="2" name="Slide Image Placeholder 1"/>
+          <p:cNvSpPr>
+            <a:spLocks noGrp="1" noRot="1" noChangeAspect="1"/>
+          </p:cNvSpPr>
+          <p:nvPr>
+            <p:ph type="sldImg"/>
+          </p:nvPr>
+        </p:nvSpPr>
+        <p:spPr/>
+      </p:sp>
+      <p:sp>
+        <p:nvSpPr>
+          <p:cNvPr id="3" name="Notes Placeholder 2"/>
+          <p:cNvSpPr>
+            <a:spLocks noGrp="1"/>
+          </p:cNvSpPr>
+          <p:nvPr>
+            <p:ph type="body" idx="1"/>
+          </p:nvPr>
+        </p:nvSpPr>
+        <p:spPr/>
+        <p:txBody>
+          <a:bodyPr/>
+          <a:lstStyle/>
+          <a:p>
+            <a:pPr marL="171450" indent="-171450">
+              <a:buFont typeface="Arial" panose="020B0604020202020204" pitchFamily="34" charset="0"/>
+              <a:buChar char="•"/>
+            </a:pPr>
+            <a:r>
+              <a:rPr lang="en-US" dirty="0"/>
+              <a:t>Future Prospects</a:t>
+            </a:r>
+          </a:p>
+          <a:p>
+            <a:pPr marL="628650" lvl="1" indent="-171450">
+              <a:buFont typeface="Arial" panose="020B0604020202020204" pitchFamily="34" charset="0"/>
+              <a:buChar char="•"/>
+            </a:pPr>
+            <a:r>
+              <a:rPr lang="en-US" dirty="0"/>
+              <a:t>Flutter is growing rapidly and is being adopted by many companies worldwide.</a:t>
+            </a:r>
+          </a:p>
+          <a:p>
+            <a:pPr marL="628650" lvl="1" indent="-171450">
+              <a:buFont typeface="Arial" panose="020B0604020202020204" pitchFamily="34" charset="0"/>
+              <a:buChar char="•"/>
+            </a:pPr>
+            <a:r>
+              <a:rPr lang="en-US" dirty="0"/>
+              <a:t>Its ability to create high-quality applications for multiple platforms from a single codebase makes it a valuable tool for developers.</a:t>
+            </a:r>
+          </a:p>
+          <a:p>
+            <a:pPr marL="171450" indent="-171450">
+              <a:buFont typeface="Arial" panose="020B0604020202020204" pitchFamily="34" charset="0"/>
+              <a:buChar char="•"/>
+            </a:pPr>
+            <a:r>
+              <a:rPr lang="en-US" dirty="0"/>
+              <a:t>Summary</a:t>
+            </a:r>
+          </a:p>
+          <a:p>
+            <a:pPr marL="628650" lvl="1" indent="-171450">
+              <a:buFont typeface="Arial" panose="020B0604020202020204" pitchFamily="34" charset="0"/>
+              <a:buChar char="•"/>
+            </a:pPr>
+            <a:r>
+              <a:rPr lang="en-US" dirty="0"/>
+              <a:t>In conclusion, Flutter is a powerful framework for developing mobile applications.</a:t>
+            </a:r>
+          </a:p>
+          <a:p>
+            <a:pPr marL="628650" lvl="1" indent="-171450">
+              <a:buFont typeface="Arial" panose="020B0604020202020204" pitchFamily="34" charset="0"/>
+              <a:buChar char="•"/>
+            </a:pPr>
+            <a:r>
+              <a:rPr lang="en-US" dirty="0"/>
+              <a:t>Its advantages like cross-platform development, hot reload, and high performance make it a great choice for developers.</a:t>
+            </a:r>
+          </a:p>
+          <a:p>
+            <a:pPr marL="628650" lvl="1" indent="-171450">
+              <a:buFont typeface="Arial" panose="020B0604020202020204" pitchFamily="34" charset="0"/>
+              <a:buChar char="•"/>
+            </a:pPr>
+            <a:r>
+              <a:rPr lang="en-US" dirty="0"/>
+              <a:t>Even if its just to make a Proof of Concept for all platforms and later develop them natively </a:t>
+            </a:r>
+            <a:endParaRPr lang="de-DE" dirty="0"/>
+          </a:p>
+        </p:txBody>
+      </p:sp>
+      <p:sp>
+        <p:nvSpPr>
+          <p:cNvPr id="4" name="Slide Number Placeholder 3"/>
+          <p:cNvSpPr>
+            <a:spLocks noGrp="1"/>
+          </p:cNvSpPr>
+          <p:nvPr>
+            <p:ph type="sldNum" sz="quarter" idx="5"/>
+          </p:nvPr>
+        </p:nvSpPr>
+        <p:spPr/>
+        <p:txBody>
+          <a:bodyPr/>
+          <a:lstStyle/>
+          <a:p>
+            <a:fld id="{F9B1DB93-1B8F-4168-B96A-C37214D58B76}" type="slidenum">
+              <a:rPr lang="de-DE" smtClean="0"/>
+              <a:t>14</a:t>
+            </a:fld>
+            <a:endParaRPr lang="de-DE"/>
+          </a:p>
+        </p:txBody>
+      </p:sp>
+    </p:spTree>
+    <p:extLst>
+      <p:ext uri="{BB962C8B-B14F-4D97-AF65-F5344CB8AC3E}">
+        <p14:creationId xmlns:p14="http://schemas.microsoft.com/office/powerpoint/2010/main" val="2944556461"/>
+      </p:ext>
+    </p:extLst>
+  </p:cSld>
+  <p:clrMapOvr>
+    <a:masterClrMapping/>
+  </p:clrMapOvr>
+</p:notes>
+</file>
+
+<file path=ppt/notesSlides/notesSlide2.xml><?xml version="1.0" encoding="utf-8"?>
+<p:notes xmlns:a="http://schemas.openxmlformats.org/drawingml/2006/main" xmlns:r="http://schemas.openxmlformats.org/officeDocument/2006/relationships" xmlns:p="http://schemas.openxmlformats.org/presentationml/2006/main">
+  <p:cSld>
+    <p:spTree>
+      <p:nvGrpSpPr>
+        <p:cNvPr id="1" name=""/>
+        <p:cNvGrpSpPr/>
+        <p:nvPr/>
+      </p:nvGrpSpPr>
+      <p:grpSpPr>
+        <a:xfrm>
+          <a:off x="0" y="0"/>
+          <a:ext cx="0" cy="0"/>
+          <a:chOff x="0" y="0"/>
+          <a:chExt cx="0" cy="0"/>
+        </a:xfrm>
+      </p:grpSpPr>
+      <p:sp>
+        <p:nvSpPr>
+          <p:cNvPr id="2" name="Slide Image Placeholder 1"/>
+          <p:cNvSpPr>
+            <a:spLocks noGrp="1" noRot="1" noChangeAspect="1"/>
+          </p:cNvSpPr>
+          <p:nvPr>
+            <p:ph type="sldImg"/>
+          </p:nvPr>
+        </p:nvSpPr>
+        <p:spPr/>
+      </p:sp>
+      <p:sp>
+        <p:nvSpPr>
+          <p:cNvPr id="3" name="Notes Placeholder 2"/>
+          <p:cNvSpPr>
+            <a:spLocks noGrp="1"/>
+          </p:cNvSpPr>
+          <p:nvPr>
+            <p:ph type="body" idx="1"/>
+          </p:nvPr>
+        </p:nvSpPr>
+        <p:spPr/>
+        <p:txBody>
+          <a:bodyPr/>
+          <a:lstStyle/>
+          <a:p>
+            <a:pPr marL="171450" indent="-171450">
+              <a:buFont typeface="Arial" panose="020B0604020202020204" pitchFamily="34" charset="0"/>
+              <a:buChar char="•"/>
+            </a:pPr>
+            <a:r>
+              <a:rPr lang="en-US" dirty="0"/>
+              <a:t>An open-source UI software development kit created by Google.</a:t>
+            </a:r>
+          </a:p>
+          <a:p>
+            <a:pPr marL="171450" indent="-171450">
+              <a:buFont typeface="Arial" panose="020B0604020202020204" pitchFamily="34" charset="0"/>
+              <a:buChar char="•"/>
+            </a:pPr>
+            <a:r>
+              <a:rPr lang="en-US" dirty="0"/>
+              <a:t>Used to develop applications for multiple platforms from a single codebase.</a:t>
+            </a:r>
+          </a:p>
+          <a:p>
+            <a:pPr marL="171450" indent="-171450">
+              <a:buFont typeface="Arial" panose="020B0604020202020204" pitchFamily="34" charset="0"/>
+              <a:buChar char="•"/>
+            </a:pPr>
+            <a:r>
+              <a:rPr lang="en-US" dirty="0"/>
+              <a:t>Flutter uses the Dart programming language and provides its own widgets, drawn with its own high-performance rendering engine.</a:t>
+            </a:r>
+            <a:endParaRPr lang="de-DE" dirty="0"/>
+          </a:p>
+        </p:txBody>
+      </p:sp>
+      <p:sp>
+        <p:nvSpPr>
+          <p:cNvPr id="4" name="Slide Number Placeholder 3"/>
+          <p:cNvSpPr>
+            <a:spLocks noGrp="1"/>
+          </p:cNvSpPr>
+          <p:nvPr>
+            <p:ph type="sldNum" sz="quarter" idx="5"/>
+          </p:nvPr>
+        </p:nvSpPr>
+        <p:spPr/>
+        <p:txBody>
+          <a:bodyPr/>
+          <a:lstStyle/>
+          <a:p>
+            <a:fld id="{F9B1DB93-1B8F-4168-B96A-C37214D58B76}" type="slidenum">
+              <a:rPr lang="de-DE" smtClean="0"/>
+              <a:t>3</a:t>
+            </a:fld>
+            <a:endParaRPr lang="de-DE"/>
+          </a:p>
+        </p:txBody>
+      </p:sp>
+    </p:spTree>
+    <p:extLst>
+      <p:ext uri="{BB962C8B-B14F-4D97-AF65-F5344CB8AC3E}">
+        <p14:creationId xmlns:p14="http://schemas.microsoft.com/office/powerpoint/2010/main" val="3435681623"/>
+      </p:ext>
+    </p:extLst>
+  </p:cSld>
+  <p:clrMapOvr>
+    <a:masterClrMapping/>
+  </p:clrMapOvr>
+</p:notes>
+</file>
+
+<file path=ppt/notesSlides/notesSlide3.xml><?xml version="1.0" encoding="utf-8"?>
+<p:notes xmlns:a="http://schemas.openxmlformats.org/drawingml/2006/main" xmlns:r="http://schemas.openxmlformats.org/officeDocument/2006/relationships" xmlns:p="http://schemas.openxmlformats.org/presentationml/2006/main">
+  <p:cSld>
+    <p:spTree>
+      <p:nvGrpSpPr>
+        <p:cNvPr id="1" name=""/>
+        <p:cNvGrpSpPr/>
+        <p:nvPr/>
+      </p:nvGrpSpPr>
+      <p:grpSpPr>
+        <a:xfrm>
+          <a:off x="0" y="0"/>
+          <a:ext cx="0" cy="0"/>
+          <a:chOff x="0" y="0"/>
+          <a:chExt cx="0" cy="0"/>
+        </a:xfrm>
+      </p:grpSpPr>
+      <p:sp>
+        <p:nvSpPr>
+          <p:cNvPr id="2" name="Slide Image Placeholder 1"/>
+          <p:cNvSpPr>
+            <a:spLocks noGrp="1" noRot="1" noChangeAspect="1"/>
+          </p:cNvSpPr>
+          <p:nvPr>
+            <p:ph type="sldImg"/>
+          </p:nvPr>
+        </p:nvSpPr>
+        <p:spPr/>
+      </p:sp>
+      <p:sp>
+        <p:nvSpPr>
+          <p:cNvPr id="3" name="Notes Placeholder 2"/>
+          <p:cNvSpPr>
+            <a:spLocks noGrp="1"/>
+          </p:cNvSpPr>
+          <p:nvPr>
+            <p:ph type="body" idx="1"/>
+          </p:nvPr>
+        </p:nvSpPr>
+        <p:spPr/>
+        <p:txBody>
+          <a:bodyPr/>
+          <a:lstStyle/>
+          <a:p>
+            <a:pPr marL="171450" indent="-171450">
+              <a:buFont typeface="Arial" panose="020B0604020202020204" pitchFamily="34" charset="0"/>
+              <a:buChar char="•"/>
+            </a:pPr>
+            <a:r>
+              <a:rPr lang="en-US" dirty="0"/>
+              <a:t>Allows developers to write code once and deploy it on multiple platforms.</a:t>
+            </a:r>
+          </a:p>
+          <a:p>
+            <a:pPr marL="171450" indent="-171450">
+              <a:buFont typeface="Arial" panose="020B0604020202020204" pitchFamily="34" charset="0"/>
+              <a:buChar char="•"/>
+            </a:pPr>
+            <a:r>
+              <a:rPr lang="en-US" dirty="0"/>
+              <a:t>It's a complete framework that includes everything needed to create mobile apps.</a:t>
+            </a:r>
+          </a:p>
+          <a:p>
+            <a:pPr marL="171450" indent="-171450">
+              <a:buFont typeface="Arial" panose="020B0604020202020204" pitchFamily="34" charset="0"/>
+              <a:buChar char="•"/>
+            </a:pPr>
+            <a:r>
+              <a:rPr lang="en-US" dirty="0"/>
+              <a:t>Saves time and resources in the development process.</a:t>
+            </a:r>
+            <a:endParaRPr lang="de-DE" dirty="0"/>
+          </a:p>
+        </p:txBody>
+      </p:sp>
+      <p:sp>
+        <p:nvSpPr>
+          <p:cNvPr id="4" name="Slide Number Placeholder 3"/>
+          <p:cNvSpPr>
+            <a:spLocks noGrp="1"/>
+          </p:cNvSpPr>
+          <p:nvPr>
+            <p:ph type="sldNum" sz="quarter" idx="5"/>
+          </p:nvPr>
+        </p:nvSpPr>
+        <p:spPr/>
+        <p:txBody>
+          <a:bodyPr/>
+          <a:lstStyle/>
+          <a:p>
+            <a:fld id="{F9B1DB93-1B8F-4168-B96A-C37214D58B76}" type="slidenum">
+              <a:rPr lang="de-DE" smtClean="0"/>
+              <a:t>4</a:t>
+            </a:fld>
+            <a:endParaRPr lang="de-DE"/>
+          </a:p>
+        </p:txBody>
+      </p:sp>
+    </p:spTree>
+    <p:extLst>
+      <p:ext uri="{BB962C8B-B14F-4D97-AF65-F5344CB8AC3E}">
+        <p14:creationId xmlns:p14="http://schemas.microsoft.com/office/powerpoint/2010/main" val="260812021"/>
+      </p:ext>
+    </p:extLst>
+  </p:cSld>
+  <p:clrMapOvr>
+    <a:masterClrMapping/>
+  </p:clrMapOvr>
+</p:notes>
+</file>
+
+<file path=ppt/notesSlides/notesSlide4.xml><?xml version="1.0" encoding="utf-8"?>
+<p:notes xmlns:a="http://schemas.openxmlformats.org/drawingml/2006/main" xmlns:r="http://schemas.openxmlformats.org/officeDocument/2006/relationships" xmlns:p="http://schemas.openxmlformats.org/presentationml/2006/main">
+  <p:cSld>
+    <p:spTree>
+      <p:nvGrpSpPr>
+        <p:cNvPr id="1" name=""/>
+        <p:cNvGrpSpPr/>
+        <p:nvPr/>
+      </p:nvGrpSpPr>
+      <p:grpSpPr>
+        <a:xfrm>
+          <a:off x="0" y="0"/>
+          <a:ext cx="0" cy="0"/>
+          <a:chOff x="0" y="0"/>
+          <a:chExt cx="0" cy="0"/>
+        </a:xfrm>
+      </p:grpSpPr>
+      <p:sp>
+        <p:nvSpPr>
+          <p:cNvPr id="2" name="Slide Image Placeholder 1"/>
+          <p:cNvSpPr>
+            <a:spLocks noGrp="1" noRot="1" noChangeAspect="1"/>
+          </p:cNvSpPr>
+          <p:nvPr>
+            <p:ph type="sldImg"/>
+          </p:nvPr>
+        </p:nvSpPr>
+        <p:spPr/>
+      </p:sp>
+      <p:sp>
+        <p:nvSpPr>
+          <p:cNvPr id="3" name="Notes Placeholder 2"/>
+          <p:cNvSpPr>
+            <a:spLocks noGrp="1"/>
+          </p:cNvSpPr>
+          <p:nvPr>
+            <p:ph type="body" idx="1"/>
+          </p:nvPr>
+        </p:nvSpPr>
+        <p:spPr/>
+        <p:txBody>
+          <a:bodyPr/>
+          <a:lstStyle/>
+          <a:p>
+            <a:pPr marL="171450" indent="-171450">
+              <a:buFont typeface="Arial" panose="020B0604020202020204" pitchFamily="34" charset="0"/>
+              <a:buChar char="•"/>
+            </a:pPr>
+            <a:r>
+              <a:rPr lang="en-US" dirty="0"/>
+              <a:t>Announcement</a:t>
+            </a:r>
+          </a:p>
+          <a:p>
+            <a:pPr marL="628650" lvl="1" indent="-171450">
+              <a:buFont typeface="Arial" panose="020B0604020202020204" pitchFamily="34" charset="0"/>
+              <a:buChar char="•"/>
+            </a:pPr>
+            <a:r>
+              <a:rPr lang="en-US" dirty="0"/>
+              <a:t>Flutter was first announced as an early alpha at Google’s I/O conference in May 2017.</a:t>
+            </a:r>
+          </a:p>
+          <a:p>
+            <a:pPr marL="628650" lvl="1" indent="-171450">
+              <a:buFont typeface="Arial" panose="020B0604020202020204" pitchFamily="34" charset="0"/>
+              <a:buChar char="•"/>
+            </a:pPr>
+            <a:r>
+              <a:rPr lang="en-US" dirty="0"/>
+              <a:t>It was introduced as a new framework for creating mobile apps that looked great and shared a single codebase.</a:t>
+            </a:r>
+          </a:p>
+          <a:p>
+            <a:pPr marL="171450" indent="-171450">
+              <a:buFont typeface="Arial" panose="020B0604020202020204" pitchFamily="34" charset="0"/>
+              <a:buChar char="•"/>
+            </a:pPr>
+            <a:r>
+              <a:rPr lang="en-US" dirty="0"/>
+              <a:t>Stable Release	</a:t>
+            </a:r>
+          </a:p>
+          <a:p>
+            <a:pPr marL="628650" lvl="1" indent="-171450">
+              <a:buFont typeface="Arial" panose="020B0604020202020204" pitchFamily="34" charset="0"/>
+              <a:buChar char="•"/>
+            </a:pPr>
+            <a:r>
+              <a:rPr lang="en-US" dirty="0"/>
+              <a:t>Flutter 1.0, the first stable version, was released in December 2018.</a:t>
+            </a:r>
+          </a:p>
+          <a:p>
+            <a:pPr marL="628650" lvl="1" indent="-171450">
+              <a:buFont typeface="Arial" panose="020B0604020202020204" pitchFamily="34" charset="0"/>
+              <a:buChar char="•"/>
+            </a:pPr>
+            <a:r>
+              <a:rPr lang="en-US" dirty="0"/>
+              <a:t>This marked a significant milestone in its development.</a:t>
+            </a:r>
+          </a:p>
+          <a:p>
+            <a:pPr marL="171450" indent="-171450">
+              <a:buFont typeface="Arial" panose="020B0604020202020204" pitchFamily="34" charset="0"/>
+              <a:buChar char="•"/>
+            </a:pPr>
+            <a:r>
+              <a:rPr lang="en-US" dirty="0"/>
+              <a:t>Evolution</a:t>
+            </a:r>
+          </a:p>
+          <a:p>
+            <a:pPr marL="628650" lvl="1" indent="-171450">
+              <a:buFont typeface="Arial" panose="020B0604020202020204" pitchFamily="34" charset="0"/>
+              <a:buChar char="•"/>
+            </a:pPr>
+            <a:r>
+              <a:rPr lang="en-US" dirty="0"/>
+              <a:t>Flutter has evolved significantly with regular updates and new features.</a:t>
+            </a:r>
+          </a:p>
+          <a:p>
+            <a:pPr marL="628650" lvl="1" indent="-171450">
+              <a:buFont typeface="Arial" panose="020B0604020202020204" pitchFamily="34" charset="0"/>
+              <a:buChar char="•"/>
+            </a:pPr>
+            <a:r>
+              <a:rPr lang="en-US" dirty="0"/>
+              <a:t>Gained popularity among developers due to its ease of use and flexibility.</a:t>
+            </a:r>
+            <a:endParaRPr lang="de-DE" dirty="0"/>
+          </a:p>
+        </p:txBody>
+      </p:sp>
+      <p:sp>
+        <p:nvSpPr>
+          <p:cNvPr id="4" name="Slide Number Placeholder 3"/>
+          <p:cNvSpPr>
+            <a:spLocks noGrp="1"/>
+          </p:cNvSpPr>
+          <p:nvPr>
+            <p:ph type="sldNum" sz="quarter" idx="5"/>
+          </p:nvPr>
+        </p:nvSpPr>
+        <p:spPr/>
+        <p:txBody>
+          <a:bodyPr/>
+          <a:lstStyle/>
+          <a:p>
+            <a:fld id="{F9B1DB93-1B8F-4168-B96A-C37214D58B76}" type="slidenum">
+              <a:rPr lang="de-DE" smtClean="0"/>
+              <a:t>5</a:t>
+            </a:fld>
+            <a:endParaRPr lang="de-DE"/>
+          </a:p>
+        </p:txBody>
+      </p:sp>
+    </p:spTree>
+    <p:extLst>
+      <p:ext uri="{BB962C8B-B14F-4D97-AF65-F5344CB8AC3E}">
+        <p14:creationId xmlns:p14="http://schemas.microsoft.com/office/powerpoint/2010/main" val="1727149414"/>
+      </p:ext>
+    </p:extLst>
+  </p:cSld>
+  <p:clrMapOvr>
+    <a:masterClrMapping/>
+  </p:clrMapOvr>
+</p:notes>
+</file>
+
+<file path=ppt/notesSlides/notesSlide5.xml><?xml version="1.0" encoding="utf-8"?>
+<p:notes xmlns:a="http://schemas.openxmlformats.org/drawingml/2006/main" xmlns:r="http://schemas.openxmlformats.org/officeDocument/2006/relationships" xmlns:p="http://schemas.openxmlformats.org/presentationml/2006/main">
+  <p:cSld>
+    <p:spTree>
+      <p:nvGrpSpPr>
+        <p:cNvPr id="1" name=""/>
+        <p:cNvGrpSpPr/>
+        <p:nvPr/>
+      </p:nvGrpSpPr>
+      <p:grpSpPr>
+        <a:xfrm>
+          <a:off x="0" y="0"/>
+          <a:ext cx="0" cy="0"/>
+          <a:chOff x="0" y="0"/>
+          <a:chExt cx="0" cy="0"/>
+        </a:xfrm>
+      </p:grpSpPr>
+      <p:sp>
+        <p:nvSpPr>
+          <p:cNvPr id="2" name="Slide Image Placeholder 1"/>
+          <p:cNvSpPr>
+            <a:spLocks noGrp="1" noRot="1" noChangeAspect="1"/>
+          </p:cNvSpPr>
+          <p:nvPr>
+            <p:ph type="sldImg"/>
+          </p:nvPr>
+        </p:nvSpPr>
+        <p:spPr/>
+      </p:sp>
+      <p:sp>
+        <p:nvSpPr>
+          <p:cNvPr id="3" name="Notes Placeholder 2"/>
+          <p:cNvSpPr>
+            <a:spLocks noGrp="1"/>
+          </p:cNvSpPr>
+          <p:nvPr>
+            <p:ph type="body" idx="1"/>
+          </p:nvPr>
+        </p:nvSpPr>
+        <p:spPr/>
+        <p:txBody>
+          <a:bodyPr/>
+          <a:lstStyle/>
+          <a:p>
+            <a:pPr marL="171450" indent="-171450">
+              <a:buFont typeface="Arial" panose="020B0604020202020204" pitchFamily="34" charset="0"/>
+              <a:buChar char="•"/>
+            </a:pPr>
+            <a:r>
+              <a:rPr lang="en-US" dirty="0"/>
+              <a:t>Flutter uses Dart language, which is object-oriented and strongly typed.</a:t>
+            </a:r>
+          </a:p>
+          <a:p>
+            <a:pPr marL="171450" indent="-171450">
+              <a:buFont typeface="Arial" panose="020B0604020202020204" pitchFamily="34" charset="0"/>
+              <a:buChar char="•"/>
+            </a:pPr>
+            <a:r>
+              <a:rPr lang="en-US" dirty="0"/>
+              <a:t>Dart is easy to understand for JavaScript or Java developers.</a:t>
+            </a:r>
+          </a:p>
+          <a:p>
+            <a:pPr marL="171450" indent="-171450">
+              <a:buFont typeface="Arial" panose="020B0604020202020204" pitchFamily="34" charset="0"/>
+              <a:buChar char="•"/>
+            </a:pPr>
+            <a:r>
+              <a:rPr lang="en-US" dirty="0"/>
+              <a:t>Dart allows Flutter to avoid the need for a separate declarative layout language like JSX or XML, or separate visual interface builders.</a:t>
+            </a:r>
+            <a:endParaRPr lang="de-DE" dirty="0"/>
+          </a:p>
+        </p:txBody>
+      </p:sp>
+      <p:sp>
+        <p:nvSpPr>
+          <p:cNvPr id="4" name="Slide Number Placeholder 3"/>
+          <p:cNvSpPr>
+            <a:spLocks noGrp="1"/>
+          </p:cNvSpPr>
+          <p:nvPr>
+            <p:ph type="sldNum" sz="quarter" idx="5"/>
+          </p:nvPr>
+        </p:nvSpPr>
+        <p:spPr/>
+        <p:txBody>
+          <a:bodyPr/>
+          <a:lstStyle/>
+          <a:p>
+            <a:fld id="{F9B1DB93-1B8F-4168-B96A-C37214D58B76}" type="slidenum">
+              <a:rPr lang="de-DE" smtClean="0"/>
+              <a:t>6</a:t>
+            </a:fld>
+            <a:endParaRPr lang="de-DE"/>
+          </a:p>
+        </p:txBody>
+      </p:sp>
+    </p:spTree>
+    <p:extLst>
+      <p:ext uri="{BB962C8B-B14F-4D97-AF65-F5344CB8AC3E}">
+        <p14:creationId xmlns:p14="http://schemas.microsoft.com/office/powerpoint/2010/main" val="1895264042"/>
+      </p:ext>
+    </p:extLst>
+  </p:cSld>
+  <p:clrMapOvr>
+    <a:masterClrMapping/>
+  </p:clrMapOvr>
+</p:notes>
+</file>
+
+<file path=ppt/notesSlides/notesSlide6.xml><?xml version="1.0" encoding="utf-8"?>
+<p:notes xmlns:a="http://schemas.openxmlformats.org/drawingml/2006/main" xmlns:r="http://schemas.openxmlformats.org/officeDocument/2006/relationships" xmlns:p="http://schemas.openxmlformats.org/presentationml/2006/main">
+  <p:cSld>
+    <p:spTree>
+      <p:nvGrpSpPr>
+        <p:cNvPr id="1" name=""/>
+        <p:cNvGrpSpPr/>
+        <p:nvPr/>
+      </p:nvGrpSpPr>
+      <p:grpSpPr>
+        <a:xfrm>
+          <a:off x="0" y="0"/>
+          <a:ext cx="0" cy="0"/>
+          <a:chOff x="0" y="0"/>
+          <a:chExt cx="0" cy="0"/>
+        </a:xfrm>
+      </p:grpSpPr>
+      <p:sp>
+        <p:nvSpPr>
+          <p:cNvPr id="2" name="Slide Image Placeholder 1"/>
+          <p:cNvSpPr>
+            <a:spLocks noGrp="1" noRot="1" noChangeAspect="1"/>
+          </p:cNvSpPr>
+          <p:nvPr>
+            <p:ph type="sldImg"/>
+          </p:nvPr>
+        </p:nvSpPr>
+        <p:spPr/>
+      </p:sp>
+      <p:sp>
+        <p:nvSpPr>
+          <p:cNvPr id="3" name="Notes Placeholder 2"/>
+          <p:cNvSpPr>
+            <a:spLocks noGrp="1"/>
+          </p:cNvSpPr>
+          <p:nvPr>
+            <p:ph type="body" idx="1"/>
+          </p:nvPr>
+        </p:nvSpPr>
+        <p:spPr/>
+        <p:txBody>
+          <a:bodyPr/>
+          <a:lstStyle/>
+          <a:p>
+            <a:pPr marL="171450" indent="-171450">
+              <a:buFont typeface="Arial" panose="020B0604020202020204" pitchFamily="34" charset="0"/>
+              <a:buChar char="•"/>
+            </a:pPr>
+            <a:r>
+              <a:rPr lang="en-US" dirty="0"/>
+              <a:t>Flutter's architecture is based on reactive programming.</a:t>
+            </a:r>
+          </a:p>
+          <a:p>
+            <a:pPr marL="171450" indent="-171450">
+              <a:buFont typeface="Arial" panose="020B0604020202020204" pitchFamily="34" charset="0"/>
+              <a:buChar char="•"/>
+            </a:pPr>
+            <a:r>
+              <a:rPr lang="en-US" dirty="0"/>
+              <a:t>Everything in Flutter is a widget, including layout, styling, and even the application itself.</a:t>
+            </a:r>
+          </a:p>
+          <a:p>
+            <a:pPr marL="171450" indent="-171450">
+              <a:buFont typeface="Arial" panose="020B0604020202020204" pitchFamily="34" charset="0"/>
+              <a:buChar char="•"/>
+            </a:pPr>
+            <a:r>
+              <a:rPr lang="en-US" dirty="0"/>
+              <a:t>Widgets are composable: you can build complex UIs from small pieces.</a:t>
+            </a:r>
+            <a:endParaRPr lang="de-DE" dirty="0"/>
+          </a:p>
+        </p:txBody>
+      </p:sp>
+      <p:sp>
+        <p:nvSpPr>
+          <p:cNvPr id="4" name="Slide Number Placeholder 3"/>
+          <p:cNvSpPr>
+            <a:spLocks noGrp="1"/>
+          </p:cNvSpPr>
+          <p:nvPr>
+            <p:ph type="sldNum" sz="quarter" idx="5"/>
+          </p:nvPr>
+        </p:nvSpPr>
+        <p:spPr/>
+        <p:txBody>
+          <a:bodyPr/>
+          <a:lstStyle/>
+          <a:p>
+            <a:fld id="{F9B1DB93-1B8F-4168-B96A-C37214D58B76}" type="slidenum">
+              <a:rPr lang="de-DE" smtClean="0"/>
+              <a:t>7</a:t>
+            </a:fld>
+            <a:endParaRPr lang="de-DE"/>
+          </a:p>
+        </p:txBody>
+      </p:sp>
+    </p:spTree>
+    <p:extLst>
+      <p:ext uri="{BB962C8B-B14F-4D97-AF65-F5344CB8AC3E}">
+        <p14:creationId xmlns:p14="http://schemas.microsoft.com/office/powerpoint/2010/main" val="3946529444"/>
+      </p:ext>
+    </p:extLst>
+  </p:cSld>
+  <p:clrMapOvr>
+    <a:masterClrMapping/>
+  </p:clrMapOvr>
+</p:notes>
+</file>
+
+<file path=ppt/notesSlides/notesSlide7.xml><?xml version="1.0" encoding="utf-8"?>
+<p:notes xmlns:a="http://schemas.openxmlformats.org/drawingml/2006/main" xmlns:r="http://schemas.openxmlformats.org/officeDocument/2006/relationships" xmlns:p="http://schemas.openxmlformats.org/presentationml/2006/main">
+  <p:cSld>
+    <p:spTree>
+      <p:nvGrpSpPr>
+        <p:cNvPr id="1" name=""/>
+        <p:cNvGrpSpPr/>
+        <p:nvPr/>
+      </p:nvGrpSpPr>
+      <p:grpSpPr>
+        <a:xfrm>
+          <a:off x="0" y="0"/>
+          <a:ext cx="0" cy="0"/>
+          <a:chOff x="0" y="0"/>
+          <a:chExt cx="0" cy="0"/>
+        </a:xfrm>
+      </p:grpSpPr>
+      <p:sp>
+        <p:nvSpPr>
+          <p:cNvPr id="2" name="Slide Image Placeholder 1"/>
+          <p:cNvSpPr>
+            <a:spLocks noGrp="1" noRot="1" noChangeAspect="1"/>
+          </p:cNvSpPr>
+          <p:nvPr>
+            <p:ph type="sldImg"/>
+          </p:nvPr>
+        </p:nvSpPr>
+        <p:spPr/>
+      </p:sp>
+      <p:sp>
+        <p:nvSpPr>
+          <p:cNvPr id="3" name="Notes Placeholder 2"/>
+          <p:cNvSpPr>
+            <a:spLocks noGrp="1"/>
+          </p:cNvSpPr>
+          <p:nvPr>
+            <p:ph type="body" idx="1"/>
+          </p:nvPr>
+        </p:nvSpPr>
+        <p:spPr/>
+        <p:txBody>
+          <a:bodyPr/>
+          <a:lstStyle/>
+          <a:p>
+            <a:pPr marL="171450" indent="-171450">
+              <a:buFont typeface="Arial" panose="020B0604020202020204" pitchFamily="34" charset="0"/>
+              <a:buChar char="•"/>
+            </a:pPr>
+            <a:r>
+              <a:rPr lang="en-US" dirty="0"/>
+              <a:t>Flutter's rendering engine is built in C++.</a:t>
+            </a:r>
+          </a:p>
+          <a:p>
+            <a:pPr marL="171450" indent="-171450">
+              <a:buFont typeface="Arial" panose="020B0604020202020204" pitchFamily="34" charset="0"/>
+              <a:buChar char="•"/>
+            </a:pPr>
+            <a:r>
+              <a:rPr lang="en-US" dirty="0"/>
+              <a:t>Supports low-level rendering, providing a flexible system for drawing a wide variety of graphics.</a:t>
+            </a:r>
+          </a:p>
+          <a:p>
+            <a:pPr marL="171450" indent="-171450">
+              <a:buFont typeface="Arial" panose="020B0604020202020204" pitchFamily="34" charset="0"/>
+              <a:buChar char="•"/>
+            </a:pPr>
+            <a:r>
+              <a:rPr lang="en-US" dirty="0"/>
+              <a:t>The engine is also responsible for system events, input and gestures, and compiling Dart code into native machine code.</a:t>
+            </a:r>
+            <a:endParaRPr lang="de-DE" dirty="0"/>
+          </a:p>
+        </p:txBody>
+      </p:sp>
+      <p:sp>
+        <p:nvSpPr>
+          <p:cNvPr id="4" name="Slide Number Placeholder 3"/>
+          <p:cNvSpPr>
+            <a:spLocks noGrp="1"/>
+          </p:cNvSpPr>
+          <p:nvPr>
+            <p:ph type="sldNum" sz="quarter" idx="5"/>
+          </p:nvPr>
+        </p:nvSpPr>
+        <p:spPr/>
+        <p:txBody>
+          <a:bodyPr/>
+          <a:lstStyle/>
+          <a:p>
+            <a:fld id="{F9B1DB93-1B8F-4168-B96A-C37214D58B76}" type="slidenum">
+              <a:rPr lang="de-DE" smtClean="0"/>
+              <a:t>8</a:t>
+            </a:fld>
+            <a:endParaRPr lang="de-DE"/>
+          </a:p>
+        </p:txBody>
+      </p:sp>
+    </p:spTree>
+    <p:extLst>
+      <p:ext uri="{BB962C8B-B14F-4D97-AF65-F5344CB8AC3E}">
+        <p14:creationId xmlns:p14="http://schemas.microsoft.com/office/powerpoint/2010/main" val="4087813285"/>
+      </p:ext>
+    </p:extLst>
+  </p:cSld>
+  <p:clrMapOvr>
+    <a:masterClrMapping/>
+  </p:clrMapOvr>
+</p:notes>
+</file>
+
+<file path=ppt/notesSlides/notesSlide8.xml><?xml version="1.0" encoding="utf-8"?>
+<p:notes xmlns:a="http://schemas.openxmlformats.org/drawingml/2006/main" xmlns:r="http://schemas.openxmlformats.org/officeDocument/2006/relationships" xmlns:p="http://schemas.openxmlformats.org/presentationml/2006/main">
+  <p:cSld>
+    <p:spTree>
+      <p:nvGrpSpPr>
+        <p:cNvPr id="1" name=""/>
+        <p:cNvGrpSpPr/>
+        <p:nvPr/>
+      </p:nvGrpSpPr>
+      <p:grpSpPr>
+        <a:xfrm>
+          <a:off x="0" y="0"/>
+          <a:ext cx="0" cy="0"/>
+          <a:chOff x="0" y="0"/>
+          <a:chExt cx="0" cy="0"/>
+        </a:xfrm>
+      </p:grpSpPr>
+      <p:sp>
+        <p:nvSpPr>
+          <p:cNvPr id="2" name="Slide Image Placeholder 1"/>
+          <p:cNvSpPr>
+            <a:spLocks noGrp="1" noRot="1" noChangeAspect="1"/>
+          </p:cNvSpPr>
+          <p:nvPr>
+            <p:ph type="sldImg"/>
+          </p:nvPr>
+        </p:nvSpPr>
+        <p:spPr/>
+      </p:sp>
+      <p:sp>
+        <p:nvSpPr>
+          <p:cNvPr id="3" name="Notes Placeholder 2"/>
+          <p:cNvSpPr>
+            <a:spLocks noGrp="1"/>
+          </p:cNvSpPr>
+          <p:nvPr>
+            <p:ph type="body" idx="1"/>
+          </p:nvPr>
+        </p:nvSpPr>
+        <p:spPr/>
+        <p:txBody>
+          <a:bodyPr/>
+          <a:lstStyle/>
+          <a:p>
+            <a:pPr marL="171450" indent="-171450">
+              <a:buFont typeface="Arial" panose="020B0604020202020204" pitchFamily="34" charset="0"/>
+              <a:buChar char="•"/>
+            </a:pPr>
+            <a:r>
+              <a:rPr lang="en-US" dirty="0"/>
+              <a:t>Cross-platform Development</a:t>
+            </a:r>
+          </a:p>
+          <a:p>
+            <a:pPr marL="628650" lvl="1" indent="-171450">
+              <a:buFont typeface="Arial" panose="020B0604020202020204" pitchFamily="34" charset="0"/>
+              <a:buChar char="•"/>
+            </a:pPr>
+            <a:r>
+              <a:rPr lang="en-US" dirty="0"/>
+              <a:t>Flutter allows developers to write code once and run it on multiple platforms.</a:t>
+            </a:r>
+          </a:p>
+          <a:p>
+            <a:pPr marL="628650" lvl="1" indent="-171450">
+              <a:buFont typeface="Arial" panose="020B0604020202020204" pitchFamily="34" charset="0"/>
+              <a:buChar char="•"/>
+            </a:pPr>
+            <a:r>
+              <a:rPr lang="en-US" dirty="0"/>
+              <a:t>Saves development time and resources.</a:t>
+            </a:r>
+          </a:p>
+          <a:p>
+            <a:pPr marL="171450" indent="-171450">
+              <a:buFont typeface="Arial" panose="020B0604020202020204" pitchFamily="34" charset="0"/>
+              <a:buChar char="•"/>
+            </a:pPr>
+            <a:r>
+              <a:rPr lang="en-US" dirty="0"/>
+              <a:t>Hot Reload</a:t>
+            </a:r>
+          </a:p>
+          <a:p>
+            <a:pPr marL="628650" lvl="1" indent="-171450">
+              <a:buFont typeface="Arial" panose="020B0604020202020204" pitchFamily="34" charset="0"/>
+              <a:buChar char="•"/>
+            </a:pPr>
+            <a:r>
+              <a:rPr lang="en-US" dirty="0"/>
+              <a:t>Hot Reload feature allows developers to see changes in code instantly in the app.</a:t>
+            </a:r>
+          </a:p>
+          <a:p>
+            <a:pPr marL="628650" lvl="1" indent="-171450">
+              <a:buFont typeface="Arial" panose="020B0604020202020204" pitchFamily="34" charset="0"/>
+              <a:buChar char="•"/>
+            </a:pPr>
+            <a:r>
+              <a:rPr lang="en-US" dirty="0"/>
+              <a:t>Makes it easier to experiment, build UIs, add features, and fix bugs faster.</a:t>
+            </a:r>
+          </a:p>
+          <a:p>
+            <a:pPr marL="171450" indent="-171450">
+              <a:buFont typeface="Arial" panose="020B0604020202020204" pitchFamily="34" charset="0"/>
+              <a:buChar char="•"/>
+            </a:pPr>
+            <a:r>
+              <a:rPr lang="en-US" dirty="0"/>
+              <a:t>High Performance</a:t>
+            </a:r>
+          </a:p>
+          <a:p>
+            <a:pPr marL="628650" lvl="1" indent="-171450">
+              <a:buFont typeface="Arial" panose="020B0604020202020204" pitchFamily="34" charset="0"/>
+              <a:buChar char="•"/>
+            </a:pPr>
+            <a:r>
+              <a:rPr lang="en-US" dirty="0"/>
+              <a:t>Flutter's widgets incorporate all critical platform differences.</a:t>
+            </a:r>
+          </a:p>
+          <a:p>
+            <a:pPr marL="628650" lvl="1" indent="-171450">
+              <a:buFont typeface="Arial" panose="020B0604020202020204" pitchFamily="34" charset="0"/>
+              <a:buChar char="•"/>
+            </a:pPr>
+            <a:r>
+              <a:rPr lang="en-US" dirty="0"/>
+              <a:t>Provides full native performance on both iOS and Android.</a:t>
+            </a:r>
+            <a:endParaRPr lang="de-DE" dirty="0"/>
+          </a:p>
+        </p:txBody>
+      </p:sp>
+      <p:sp>
+        <p:nvSpPr>
+          <p:cNvPr id="4" name="Slide Number Placeholder 3"/>
+          <p:cNvSpPr>
+            <a:spLocks noGrp="1"/>
+          </p:cNvSpPr>
+          <p:nvPr>
+            <p:ph type="sldNum" sz="quarter" idx="5"/>
+          </p:nvPr>
+        </p:nvSpPr>
+        <p:spPr/>
+        <p:txBody>
+          <a:bodyPr/>
+          <a:lstStyle/>
+          <a:p>
+            <a:fld id="{F9B1DB93-1B8F-4168-B96A-C37214D58B76}" type="slidenum">
+              <a:rPr lang="de-DE" smtClean="0"/>
+              <a:t>9</a:t>
+            </a:fld>
+            <a:endParaRPr lang="de-DE"/>
+          </a:p>
+        </p:txBody>
+      </p:sp>
+    </p:spTree>
+    <p:extLst>
+      <p:ext uri="{BB962C8B-B14F-4D97-AF65-F5344CB8AC3E}">
+        <p14:creationId xmlns:p14="http://schemas.microsoft.com/office/powerpoint/2010/main" val="248064331"/>
+      </p:ext>
+    </p:extLst>
+  </p:cSld>
+  <p:clrMapOvr>
+    <a:masterClrMapping/>
+  </p:clrMapOvr>
+</p:notes>
+</file>
+
+<file path=ppt/notesSlides/notesSlide9.xml><?xml version="1.0" encoding="utf-8"?>
+<p:notes xmlns:a="http://schemas.openxmlformats.org/drawingml/2006/main" xmlns:r="http://schemas.openxmlformats.org/officeDocument/2006/relationships" xmlns:p="http://schemas.openxmlformats.org/presentationml/2006/main">
+  <p:cSld>
+    <p:spTree>
+      <p:nvGrpSpPr>
+        <p:cNvPr id="1" name=""/>
+        <p:cNvGrpSpPr/>
+        <p:nvPr/>
+      </p:nvGrpSpPr>
+      <p:grpSpPr>
+        <a:xfrm>
+          <a:off x="0" y="0"/>
+          <a:ext cx="0" cy="0"/>
+          <a:chOff x="0" y="0"/>
+          <a:chExt cx="0" cy="0"/>
+        </a:xfrm>
+      </p:grpSpPr>
+      <p:sp>
+        <p:nvSpPr>
+          <p:cNvPr id="2" name="Slide Image Placeholder 1"/>
+          <p:cNvSpPr>
+            <a:spLocks noGrp="1" noRot="1" noChangeAspect="1"/>
+          </p:cNvSpPr>
+          <p:nvPr>
+            <p:ph type="sldImg"/>
+          </p:nvPr>
+        </p:nvSpPr>
+        <p:spPr/>
+      </p:sp>
+      <p:sp>
+        <p:nvSpPr>
+          <p:cNvPr id="3" name="Notes Placeholder 2"/>
+          <p:cNvSpPr>
+            <a:spLocks noGrp="1"/>
+          </p:cNvSpPr>
+          <p:nvPr>
+            <p:ph type="body" idx="1"/>
+          </p:nvPr>
+        </p:nvSpPr>
+        <p:spPr/>
+        <p:txBody>
+          <a:bodyPr/>
+          <a:lstStyle/>
+          <a:p>
+            <a:pPr marL="171450" indent="-171450">
+              <a:buFont typeface="Arial" panose="020B0604020202020204" pitchFamily="34" charset="0"/>
+              <a:buChar char="•"/>
+            </a:pPr>
+            <a:r>
+              <a:rPr lang="de-DE" dirty="0"/>
+              <a:t>Flutter </a:t>
+            </a:r>
+            <a:r>
+              <a:rPr lang="de-DE" dirty="0" err="1"/>
+              <a:t>vs</a:t>
+            </a:r>
+            <a:r>
+              <a:rPr lang="de-DE" dirty="0"/>
+              <a:t> </a:t>
+            </a:r>
+            <a:r>
+              <a:rPr lang="de-DE" dirty="0" err="1"/>
+              <a:t>React</a:t>
+            </a:r>
+            <a:r>
+              <a:rPr lang="de-DE" dirty="0"/>
+              <a:t> Native</a:t>
+            </a:r>
+          </a:p>
+          <a:p>
+            <a:pPr marL="628650" lvl="1" indent="-171450">
+              <a:buFont typeface="Arial" panose="020B0604020202020204" pitchFamily="34" charset="0"/>
+              <a:buChar char="•"/>
+            </a:pPr>
+            <a:r>
+              <a:rPr lang="de-DE" dirty="0"/>
+              <a:t>Flutter </a:t>
+            </a:r>
+            <a:r>
+              <a:rPr lang="de-DE" dirty="0" err="1"/>
+              <a:t>offers</a:t>
+            </a:r>
+            <a:r>
+              <a:rPr lang="de-DE" dirty="0"/>
+              <a:t> </a:t>
+            </a:r>
+            <a:r>
+              <a:rPr lang="de-DE" dirty="0" err="1"/>
+              <a:t>more</a:t>
+            </a:r>
+            <a:r>
+              <a:rPr lang="de-DE" dirty="0"/>
+              <a:t> </a:t>
+            </a:r>
+            <a:r>
+              <a:rPr lang="de-DE" dirty="0" err="1"/>
+              <a:t>customization</a:t>
+            </a:r>
+            <a:r>
+              <a:rPr lang="de-DE" dirty="0"/>
+              <a:t>, </a:t>
+            </a:r>
+            <a:r>
+              <a:rPr lang="de-DE" dirty="0" err="1"/>
+              <a:t>better</a:t>
+            </a:r>
+            <a:r>
+              <a:rPr lang="de-DE" dirty="0"/>
+              <a:t> </a:t>
+            </a:r>
+            <a:r>
+              <a:rPr lang="de-DE" dirty="0" err="1"/>
+              <a:t>performance</a:t>
+            </a:r>
+            <a:r>
+              <a:rPr lang="de-DE" dirty="0"/>
+              <a:t> and a </a:t>
+            </a:r>
+            <a:r>
+              <a:rPr lang="de-DE" dirty="0" err="1"/>
+              <a:t>growing</a:t>
+            </a:r>
+            <a:r>
+              <a:rPr lang="de-DE" dirty="0"/>
+              <a:t> </a:t>
+            </a:r>
+            <a:r>
+              <a:rPr lang="de-DE" dirty="0" err="1"/>
+              <a:t>community</a:t>
+            </a:r>
+            <a:r>
+              <a:rPr lang="de-DE" dirty="0"/>
+              <a:t>.</a:t>
+            </a:r>
+          </a:p>
+          <a:p>
+            <a:pPr marL="628650" lvl="1" indent="-171450">
+              <a:buFont typeface="Arial" panose="020B0604020202020204" pitchFamily="34" charset="0"/>
+              <a:buChar char="•"/>
+            </a:pPr>
+            <a:r>
+              <a:rPr lang="de-DE" dirty="0" err="1"/>
+              <a:t>Better</a:t>
+            </a:r>
+            <a:r>
+              <a:rPr lang="de-DE" dirty="0"/>
+              <a:t> </a:t>
+            </a:r>
+            <a:r>
+              <a:rPr lang="de-DE" dirty="0" err="1"/>
+              <a:t>performance</a:t>
+            </a:r>
+            <a:r>
+              <a:rPr lang="de-DE" dirty="0"/>
+              <a:t> </a:t>
+            </a:r>
+            <a:r>
+              <a:rPr lang="de-DE" dirty="0" err="1"/>
+              <a:t>compared</a:t>
+            </a:r>
+            <a:r>
+              <a:rPr lang="de-DE" dirty="0"/>
+              <a:t> </a:t>
+            </a:r>
+            <a:r>
+              <a:rPr lang="de-DE" dirty="0" err="1"/>
+              <a:t>to</a:t>
+            </a:r>
+            <a:r>
+              <a:rPr lang="de-DE" dirty="0"/>
+              <a:t> </a:t>
+            </a:r>
+            <a:r>
+              <a:rPr lang="de-DE" dirty="0" err="1"/>
+              <a:t>React</a:t>
+            </a:r>
+            <a:r>
+              <a:rPr lang="de-DE" dirty="0"/>
+              <a:t> Native.</a:t>
+            </a:r>
+          </a:p>
+          <a:p>
+            <a:pPr marL="171450" indent="-171450">
+              <a:buFont typeface="Arial" panose="020B0604020202020204" pitchFamily="34" charset="0"/>
+              <a:buChar char="•"/>
+            </a:pPr>
+            <a:r>
+              <a:rPr lang="de-DE" dirty="0"/>
+              <a:t>Flutter </a:t>
+            </a:r>
+            <a:r>
+              <a:rPr lang="de-DE" dirty="0" err="1"/>
+              <a:t>vs</a:t>
+            </a:r>
+            <a:r>
+              <a:rPr lang="de-DE" dirty="0"/>
+              <a:t> Xamarin</a:t>
+            </a:r>
+          </a:p>
+          <a:p>
+            <a:pPr marL="628650" lvl="1" indent="-171450">
+              <a:buFont typeface="Arial" panose="020B0604020202020204" pitchFamily="34" charset="0"/>
+              <a:buChar char="•"/>
+            </a:pPr>
+            <a:r>
+              <a:rPr lang="de-DE" dirty="0"/>
+              <a:t>Flutter </a:t>
+            </a:r>
+            <a:r>
+              <a:rPr lang="de-DE" dirty="0" err="1"/>
+              <a:t>provides</a:t>
+            </a:r>
+            <a:r>
+              <a:rPr lang="de-DE" dirty="0"/>
+              <a:t> </a:t>
+            </a:r>
+            <a:r>
+              <a:rPr lang="de-DE" dirty="0" err="1"/>
+              <a:t>better</a:t>
+            </a:r>
+            <a:r>
+              <a:rPr lang="de-DE" dirty="0"/>
+              <a:t> </a:t>
+            </a:r>
+            <a:r>
+              <a:rPr lang="de-DE" dirty="0" err="1"/>
+              <a:t>performance</a:t>
+            </a:r>
+            <a:r>
+              <a:rPr lang="de-DE" dirty="0"/>
+              <a:t> and a simpler </a:t>
+            </a:r>
+            <a:r>
+              <a:rPr lang="de-DE" dirty="0" err="1"/>
+              <a:t>development</a:t>
+            </a:r>
+            <a:r>
+              <a:rPr lang="de-DE" dirty="0"/>
+              <a:t> </a:t>
+            </a:r>
+            <a:r>
+              <a:rPr lang="de-DE" dirty="0" err="1"/>
+              <a:t>process</a:t>
+            </a:r>
+            <a:r>
+              <a:rPr lang="de-DE" dirty="0"/>
+              <a:t> </a:t>
+            </a:r>
+            <a:r>
+              <a:rPr lang="de-DE" dirty="0" err="1"/>
+              <a:t>compared</a:t>
+            </a:r>
+            <a:r>
+              <a:rPr lang="de-DE" dirty="0"/>
+              <a:t> </a:t>
+            </a:r>
+            <a:r>
+              <a:rPr lang="de-DE" dirty="0" err="1"/>
+              <a:t>to</a:t>
+            </a:r>
+            <a:r>
+              <a:rPr lang="de-DE" dirty="0"/>
+              <a:t> Xamarin.</a:t>
+            </a:r>
+          </a:p>
+          <a:p>
+            <a:pPr marL="171450" lvl="0" indent="-171450">
+              <a:buFont typeface="Arial" panose="020B0604020202020204" pitchFamily="34" charset="0"/>
+              <a:buChar char="•"/>
+            </a:pPr>
+            <a:r>
+              <a:rPr lang="de-DE" dirty="0"/>
+              <a:t>Flutter </a:t>
+            </a:r>
+            <a:r>
+              <a:rPr lang="de-DE" dirty="0" err="1"/>
+              <a:t>vs</a:t>
+            </a:r>
+            <a:r>
+              <a:rPr lang="de-DE" dirty="0"/>
+              <a:t> Native Development</a:t>
+            </a:r>
+          </a:p>
+          <a:p>
+            <a:pPr marL="628650" lvl="1" indent="-171450">
+              <a:buFont typeface="Arial" panose="020B0604020202020204" pitchFamily="34" charset="0"/>
+              <a:buChar char="•"/>
+            </a:pPr>
+            <a:r>
+              <a:rPr lang="de-DE" dirty="0"/>
+              <a:t>Flutter </a:t>
+            </a:r>
+            <a:r>
+              <a:rPr lang="de-DE" dirty="0" err="1"/>
+              <a:t>reduces</a:t>
+            </a:r>
+            <a:r>
+              <a:rPr lang="de-DE" dirty="0"/>
+              <a:t> code </a:t>
+            </a:r>
+            <a:r>
+              <a:rPr lang="de-DE" dirty="0" err="1"/>
+              <a:t>duplication</a:t>
+            </a:r>
+            <a:r>
+              <a:rPr lang="de-DE" dirty="0"/>
+              <a:t> and </a:t>
+            </a:r>
+            <a:r>
+              <a:rPr lang="de-DE" dirty="0" err="1"/>
+              <a:t>accelerates</a:t>
+            </a:r>
+            <a:r>
+              <a:rPr lang="de-DE" dirty="0"/>
+              <a:t> </a:t>
+            </a:r>
+            <a:r>
+              <a:rPr lang="de-DE" dirty="0" err="1"/>
+              <a:t>the</a:t>
+            </a:r>
+            <a:r>
+              <a:rPr lang="de-DE" dirty="0"/>
+              <a:t> </a:t>
+            </a:r>
+            <a:r>
+              <a:rPr lang="de-DE" dirty="0" err="1"/>
+              <a:t>development</a:t>
+            </a:r>
+            <a:r>
+              <a:rPr lang="de-DE" dirty="0"/>
+              <a:t> </a:t>
+            </a:r>
+            <a:r>
+              <a:rPr lang="de-DE" dirty="0" err="1"/>
+              <a:t>process</a:t>
+            </a:r>
+            <a:r>
+              <a:rPr lang="de-DE" dirty="0"/>
+              <a:t>.</a:t>
+            </a:r>
+          </a:p>
+          <a:p>
+            <a:pPr marL="628650" lvl="1" indent="-171450">
+              <a:buFont typeface="Arial" panose="020B0604020202020204" pitchFamily="34" charset="0"/>
+              <a:buChar char="•"/>
+            </a:pPr>
+            <a:r>
+              <a:rPr lang="de-DE" dirty="0"/>
+              <a:t>Native </a:t>
+            </a:r>
+            <a:r>
+              <a:rPr lang="de-DE" dirty="0" err="1"/>
+              <a:t>development</a:t>
+            </a:r>
+            <a:r>
+              <a:rPr lang="de-DE" dirty="0"/>
+              <a:t> </a:t>
+            </a:r>
+            <a:r>
+              <a:rPr lang="de-DE" dirty="0" err="1"/>
+              <a:t>requires</a:t>
+            </a:r>
+            <a:r>
+              <a:rPr lang="de-DE" dirty="0"/>
+              <a:t> separate </a:t>
+            </a:r>
+            <a:r>
+              <a:rPr lang="de-DE" dirty="0" err="1"/>
+              <a:t>codebases</a:t>
+            </a:r>
+            <a:r>
+              <a:rPr lang="de-DE" dirty="0"/>
+              <a:t> </a:t>
+            </a:r>
+            <a:r>
+              <a:rPr lang="de-DE" dirty="0" err="1"/>
+              <a:t>for</a:t>
+            </a:r>
+            <a:r>
+              <a:rPr lang="de-DE" dirty="0"/>
+              <a:t> different </a:t>
+            </a:r>
+            <a:r>
+              <a:rPr lang="de-DE" dirty="0" err="1"/>
+              <a:t>platforms</a:t>
+            </a:r>
+            <a:r>
+              <a:rPr lang="de-DE" dirty="0"/>
+              <a:t>.</a:t>
+            </a:r>
+          </a:p>
+          <a:p>
+            <a:pPr marL="0" lvl="0" indent="0">
+              <a:buFont typeface="Arial" panose="020B0604020202020204" pitchFamily="34" charset="0"/>
+              <a:buNone/>
+            </a:pPr>
+            <a:endParaRPr lang="de-DE" dirty="0"/>
+          </a:p>
+          <a:p>
+            <a:pPr marL="0" indent="0">
+              <a:buFont typeface="Arial" panose="020B0604020202020204" pitchFamily="34" charset="0"/>
+              <a:buNone/>
+            </a:pPr>
+            <a:r>
+              <a:rPr lang="de-DE" dirty="0"/>
+              <a:t>All </a:t>
+            </a:r>
+            <a:r>
+              <a:rPr lang="de-DE" dirty="0" err="1"/>
+              <a:t>lot</a:t>
+            </a:r>
+            <a:r>
+              <a:rPr lang="de-DE" dirty="0"/>
+              <a:t> </a:t>
+            </a:r>
+            <a:r>
+              <a:rPr lang="de-DE" dirty="0" err="1"/>
+              <a:t>of</a:t>
+            </a:r>
+            <a:r>
+              <a:rPr lang="de-DE" dirty="0"/>
+              <a:t> </a:t>
+            </a:r>
+            <a:r>
+              <a:rPr lang="de-DE" dirty="0" err="1"/>
+              <a:t>advantages</a:t>
+            </a:r>
+            <a:r>
+              <a:rPr lang="de-DE" dirty="0"/>
+              <a:t>, but </a:t>
+            </a:r>
+            <a:r>
+              <a:rPr lang="de-DE" dirty="0" err="1"/>
+              <a:t>con</a:t>
+            </a:r>
+            <a:r>
+              <a:rPr lang="de-DE" dirty="0"/>
+              <a:t> </a:t>
+            </a:r>
+            <a:r>
+              <a:rPr lang="de-DE" dirty="0" err="1"/>
+              <a:t>is</a:t>
+            </a:r>
+            <a:r>
+              <a:rPr lang="de-DE" dirty="0"/>
+              <a:t> </a:t>
+            </a:r>
+            <a:r>
+              <a:rPr lang="de-DE" dirty="0" err="1"/>
+              <a:t>relatively</a:t>
+            </a:r>
+            <a:r>
+              <a:rPr lang="de-DE" dirty="0"/>
+              <a:t> </a:t>
+            </a:r>
+            <a:r>
+              <a:rPr lang="de-DE" dirty="0" err="1"/>
+              <a:t>new</a:t>
+            </a:r>
+            <a:r>
+              <a:rPr lang="de-DE" dirty="0"/>
+              <a:t> </a:t>
+            </a:r>
+            <a:r>
+              <a:rPr lang="de-DE" dirty="0" err="1"/>
+              <a:t>technology</a:t>
+            </a:r>
+            <a:r>
+              <a:rPr lang="de-DE" dirty="0"/>
+              <a:t> and </a:t>
+            </a:r>
+            <a:r>
+              <a:rPr lang="de-DE" dirty="0" err="1"/>
+              <a:t>needs</a:t>
+            </a:r>
+            <a:r>
+              <a:rPr lang="de-DE" dirty="0"/>
+              <a:t> </a:t>
+            </a:r>
+            <a:r>
+              <a:rPr lang="de-DE" dirty="0" err="1"/>
+              <a:t>catching</a:t>
+            </a:r>
+            <a:r>
+              <a:rPr lang="de-DE" dirty="0"/>
+              <a:t> </a:t>
+            </a:r>
+            <a:r>
+              <a:rPr lang="de-DE" dirty="0" err="1"/>
+              <a:t>up</a:t>
+            </a:r>
+            <a:r>
+              <a:rPr lang="de-DE" dirty="0"/>
+              <a:t> </a:t>
+            </a:r>
+            <a:r>
+              <a:rPr lang="de-DE" dirty="0" err="1"/>
+              <a:t>with</a:t>
+            </a:r>
+            <a:r>
+              <a:rPr lang="de-DE" dirty="0"/>
+              <a:t> </a:t>
+            </a:r>
+            <a:r>
+              <a:rPr lang="de-DE" dirty="0" err="1"/>
+              <a:t>big</a:t>
+            </a:r>
+            <a:r>
+              <a:rPr lang="de-DE" dirty="0"/>
+              <a:t> </a:t>
+            </a:r>
+            <a:r>
+              <a:rPr lang="de-DE" dirty="0" err="1"/>
+              <a:t>players</a:t>
+            </a:r>
+            <a:r>
+              <a:rPr lang="de-DE" dirty="0"/>
+              <a:t>.</a:t>
+            </a:r>
+          </a:p>
+          <a:p>
+            <a:pPr marL="0" indent="0">
+              <a:buFont typeface="Arial" panose="020B0604020202020204" pitchFamily="34" charset="0"/>
+              <a:buNone/>
+            </a:pPr>
+            <a:r>
+              <a:rPr lang="de-DE" dirty="0"/>
+              <a:t>Very </a:t>
+            </a:r>
+            <a:r>
+              <a:rPr lang="de-DE" dirty="0" err="1"/>
+              <a:t>good</a:t>
+            </a:r>
+            <a:r>
+              <a:rPr lang="de-DE" dirty="0"/>
+              <a:t> </a:t>
+            </a:r>
+            <a:r>
+              <a:rPr lang="de-DE" dirty="0" err="1"/>
+              <a:t>comparisons</a:t>
+            </a:r>
+            <a:r>
+              <a:rPr lang="de-DE" dirty="0"/>
+              <a:t> </a:t>
+            </a:r>
+            <a:r>
+              <a:rPr lang="de-DE" dirty="0" err="1"/>
+              <a:t>can</a:t>
+            </a:r>
+            <a:r>
+              <a:rPr lang="de-DE" dirty="0"/>
+              <a:t> </a:t>
+            </a:r>
+            <a:r>
+              <a:rPr lang="de-DE" dirty="0" err="1"/>
+              <a:t>be</a:t>
+            </a:r>
+            <a:r>
+              <a:rPr lang="de-DE" dirty="0"/>
+              <a:t> </a:t>
+            </a:r>
+            <a:r>
+              <a:rPr lang="de-DE" dirty="0" err="1"/>
+              <a:t>found</a:t>
+            </a:r>
+            <a:r>
+              <a:rPr lang="de-DE" dirty="0"/>
+              <a:t>: </a:t>
+            </a:r>
+            <a:r>
+              <a:rPr lang="de-DE" sz="1200" dirty="0">
+                <a:hlinkClick r:id="rId3"/>
+              </a:rPr>
+              <a:t>https://www.thedroidsonroids.com/blog</a:t>
+            </a:r>
+            <a:endParaRPr lang="de-DE" sz="1200" dirty="0"/>
+          </a:p>
+          <a:p>
+            <a:pPr marL="0" indent="0">
+              <a:buFont typeface="Arial" panose="020B0604020202020204" pitchFamily="34" charset="0"/>
+              <a:buNone/>
+            </a:pPr>
+            <a:endParaRPr lang="de-DE" dirty="0"/>
+          </a:p>
+        </p:txBody>
+      </p:sp>
+      <p:sp>
+        <p:nvSpPr>
+          <p:cNvPr id="4" name="Slide Number Placeholder 3"/>
+          <p:cNvSpPr>
+            <a:spLocks noGrp="1"/>
+          </p:cNvSpPr>
+          <p:nvPr>
+            <p:ph type="sldNum" sz="quarter" idx="5"/>
+          </p:nvPr>
+        </p:nvSpPr>
+        <p:spPr/>
+        <p:txBody>
+          <a:bodyPr/>
+          <a:lstStyle/>
+          <a:p>
+            <a:fld id="{F9B1DB93-1B8F-4168-B96A-C37214D58B76}" type="slidenum">
+              <a:rPr lang="de-DE" smtClean="0"/>
+              <a:t>10</a:t>
+            </a:fld>
+            <a:endParaRPr lang="de-DE"/>
+          </a:p>
+        </p:txBody>
+      </p:sp>
+    </p:spTree>
+    <p:extLst>
+      <p:ext uri="{BB962C8B-B14F-4D97-AF65-F5344CB8AC3E}">
+        <p14:creationId xmlns:p14="http://schemas.microsoft.com/office/powerpoint/2010/main" val="2091520635"/>
+      </p:ext>
+    </p:extLst>
+  </p:cSld>
+  <p:clrMapOvr>
+    <a:masterClrMapping/>
+  </p:clrMapOvr>
+</p:notes>
 </file>
 
 <file path=ppt/slideLayouts/slideLayout1.xml><?xml version="1.0" encoding="utf-8"?>
@@ -3968,7 +6594,7 @@
           <p:nvPr/>
         </p:nvPicPr>
         <p:blipFill rotWithShape="1">
-          <a:blip r:embed="rId2"/>
+          <a:blip r:embed="rId3"/>
           <a:srcRect t="25613" b="18137"/>
           <a:stretch/>
         </p:blipFill>
@@ -4398,8 +7024,8 @@
         </p:nvSpPr>
         <p:spPr>
           <a:xfrm>
-            <a:off x="7595937" y="2510590"/>
-            <a:ext cx="3810000" cy="839955"/>
+            <a:off x="7595937" y="2412405"/>
+            <a:ext cx="3810000" cy="1036323"/>
           </a:xfrm>
         </p:spPr>
         <p:txBody>
@@ -4410,7 +7036,7 @@
           <a:p>
             <a:pPr algn="l"/>
             <a:r>
-              <a:rPr lang="de-DE" sz="5600" dirty="0">
+              <a:rPr lang="de-DE" sz="7000" dirty="0">
                 <a:solidFill>
                   <a:srgbClr val="006699"/>
                 </a:solidFill>
@@ -4419,7 +7045,7 @@
               <a:t>F</a:t>
             </a:r>
             <a:r>
-              <a:rPr lang="de-DE" sz="5600" b="0" i="0" u="none" strike="noStrike" dirty="0">
+              <a:rPr lang="de-DE" sz="7000" b="0" i="0" u="none" strike="noStrike" dirty="0">
                 <a:solidFill>
                   <a:srgbClr val="006699"/>
                 </a:solidFill>
@@ -4427,7 +7053,7 @@
               </a:rPr>
               <a:t>lutter</a:t>
             </a:r>
-            <a:endParaRPr lang="de-DE" sz="5600" dirty="0"/>
+            <a:endParaRPr lang="de-DE" sz="7000" dirty="0"/>
           </a:p>
         </p:txBody>
       </p:sp>
@@ -4446,7 +7072,7 @@
           <p:nvPr/>
         </p:nvPicPr>
         <p:blipFill>
-          <a:blip r:embed="rId3"/>
+          <a:blip r:embed="rId4"/>
           <a:stretch>
             <a:fillRect/>
           </a:stretch>
@@ -4557,8 +7183,45 @@
             </a:pPr>
             <a:r>
               <a:rPr lang="de-DE" dirty="0"/>
-              <a:t>More customization and a growing community.</a:t>
-            </a:r>
+              <a:t>More </a:t>
+            </a:r>
+            <a:r>
+              <a:rPr lang="de-DE" dirty="0" err="1"/>
+              <a:t>customization</a:t>
+            </a:r>
+            <a:r>
+              <a:rPr lang="de-DE" dirty="0"/>
+              <a:t>, </a:t>
+            </a:r>
+            <a:r>
+              <a:rPr lang="de-DE" dirty="0" err="1"/>
+              <a:t>better</a:t>
+            </a:r>
+            <a:r>
+              <a:rPr lang="de-DE" dirty="0"/>
+              <a:t> </a:t>
+            </a:r>
+            <a:r>
+              <a:rPr lang="de-DE" dirty="0" err="1"/>
+              <a:t>performance</a:t>
+            </a:r>
+            <a:r>
+              <a:rPr lang="de-DE" dirty="0"/>
+              <a:t> and a </a:t>
+            </a:r>
+            <a:r>
+              <a:rPr lang="de-DE" dirty="0" err="1"/>
+              <a:t>growing</a:t>
+            </a:r>
+            <a:r>
+              <a:rPr lang="de-DE" dirty="0"/>
+              <a:t> </a:t>
+            </a:r>
+            <a:r>
+              <a:rPr lang="de-DE" dirty="0" err="1"/>
+              <a:t>community</a:t>
+            </a:r>
+            <a:endParaRPr lang="de-DE" dirty="0"/>
           </a:p>
           <a:p>
             <a:pPr>
@@ -4577,8 +7240,21 @@
             </a:pPr>
             <a:r>
               <a:rPr lang="de-DE" dirty="0"/>
-              <a:t>Better performance and simpler development process.</a:t>
-            </a:r>
+              <a:t>Better performance and simpler </a:t>
+            </a:r>
+            <a:r>
+              <a:rPr lang="de-DE" dirty="0" err="1"/>
+              <a:t>development</a:t>
+            </a:r>
+            <a:r>
+              <a:rPr lang="de-DE" dirty="0"/>
+              <a:t> </a:t>
+            </a:r>
+            <a:r>
+              <a:rPr lang="de-DE" dirty="0" err="1"/>
+              <a:t>process</a:t>
+            </a:r>
+            <a:endParaRPr lang="de-DE" dirty="0"/>
           </a:p>
           <a:p>
             <a:pPr>
@@ -4596,9 +7272,34 @@
               <a:buChar char="•"/>
             </a:pPr>
             <a:r>
+              <a:rPr lang="de-DE" dirty="0" err="1"/>
+              <a:t>Reduce</a:t>
+            </a:r>
+            <a:r>
               <a:rPr lang="de-DE" dirty="0"/>
-              <a:t>Reduces code duplication and accelerates development process.</a:t>
-            </a:r>
+              <a:t> code duplication and </a:t>
+            </a:r>
+            <a:r>
+              <a:rPr lang="de-DE" dirty="0" err="1"/>
+              <a:t>accelerates</a:t>
+            </a:r>
+            <a:r>
+              <a:rPr lang="de-DE" dirty="0"/>
+              <a:t> </a:t>
+            </a:r>
+            <a:r>
+              <a:rPr lang="de-DE" dirty="0" err="1"/>
+              <a:t>development</a:t>
+            </a:r>
+            <a:r>
+              <a:rPr lang="de-DE" dirty="0"/>
+              <a:t> </a:t>
+            </a:r>
+            <a:r>
+              <a:rPr lang="de-DE" dirty="0" err="1"/>
+              <a:t>process</a:t>
+            </a:r>
+            <a:endParaRPr lang="de-DE" dirty="0"/>
           </a:p>
           <a:p>
             <a:pPr marL="0" indent="0">
@@ -4704,28 +7405,36 @@
             </a:pPr>
             <a:r>
               <a:rPr lang="de-DE" dirty="0"/>
-              <a:t>Flutter SDK and a text editor, Android Studio &amp; Visual Studio IDE‘s.</a:t>
-            </a:r>
-          </a:p>
-          <a:p>
-            <a:pPr>
+              <a:t>Flutter SDK and a text editor, Android Studio &amp; Visual Studio </a:t>
+            </a:r>
+            <a:r>
+              <a:rPr lang="de-DE" dirty="0" err="1"/>
+              <a:t>IDE‘s</a:t>
+            </a:r>
+            <a:endParaRPr lang="de-DE" dirty="0"/>
+          </a:p>
+          <a:p>
+            <a:pPr marL="742950" lvl="1" indent="-285750">
               <a:buFont typeface="Arial" panose="020B0604020202020204" pitchFamily="34" charset="0"/>
               <a:buChar char="•"/>
             </a:pPr>
             <a:r>
               <a:rPr lang="de-DE" dirty="0"/>
-              <a:t>Configuration</a:t>
-            </a:r>
-          </a:p>
-          <a:p>
-            <a:pPr marL="742950" lvl="1" indent="-285750">
-              <a:buFont typeface="Arial" panose="020B0604020202020204" pitchFamily="34" charset="0"/>
-              <a:buChar char="•"/>
-            </a:pPr>
+              <a:t>Android Emulator or iOS simulator </a:t>
+            </a:r>
+            <a:r>
+              <a:rPr lang="de-DE" dirty="0" err="1"/>
+              <a:t>for</a:t>
+            </a:r>
             <a:r>
               <a:rPr lang="de-DE" dirty="0"/>
-              <a:t>Android Emulator or iOS simulator for testing.</a:t>
-            </a:r>
+              <a:t> </a:t>
+            </a:r>
+            <a:r>
+              <a:rPr lang="de-DE" dirty="0" err="1"/>
+              <a:t>testing</a:t>
+            </a:r>
+            <a:endParaRPr lang="de-DE" dirty="0"/>
           </a:p>
           <a:p>
             <a:pPr>
@@ -4744,8 +7453,21 @@
             </a:pPr>
             <a:r>
               <a:rPr lang="de-DE" dirty="0"/>
-              <a:t>Download Flutter SDK, update path, run Flutter doctor command.</a:t>
-            </a:r>
+              <a:t>Download Flutter SDK, update path, run Flutter </a:t>
+            </a:r>
+            <a:r>
+              <a:rPr lang="de-DE" dirty="0" err="1"/>
+              <a:t>doctor</a:t>
+            </a:r>
+            <a:r>
+              <a:rPr lang="de-DE" dirty="0"/>
+              <a:t> </a:t>
+            </a:r>
+            <a:r>
+              <a:rPr lang="de-DE" dirty="0" err="1"/>
+              <a:t>command</a:t>
+            </a:r>
+            <a:endParaRPr lang="de-DE" dirty="0"/>
           </a:p>
           <a:p>
             <a:endParaRPr lang="de-DE" dirty="0"/>
@@ -4848,7 +7570,15 @@
             </a:pPr>
             <a:r>
               <a:rPr lang="en-US" dirty="0"/>
-              <a:t>Simple app includes a main.dart file.</a:t>
+              <a:t>Simple app includes a </a:t>
+            </a:r>
+            <a:r>
+              <a:rPr lang="en-US" dirty="0" err="1"/>
+              <a:t>main.dart</a:t>
+            </a:r>
+            <a:r>
+              <a:rPr lang="en-US" dirty="0"/>
+              <a:t> file</a:t>
             </a:r>
           </a:p>
           <a:p>
@@ -4868,7 +7598,7 @@
             </a:pPr>
             <a:r>
               <a:rPr lang="en-US" dirty="0"/>
-              <a:t>Run using the flutter run command.</a:t>
+              <a:t>Run using the flutter run command</a:t>
             </a:r>
           </a:p>
           <a:p>
@@ -4888,7 +7618,7 @@
             </a:pPr>
             <a:r>
               <a:rPr lang="en-US" dirty="0"/>
-              <a:t>Can be used as a backend service for Flutter apps.</a:t>
+              <a:t>Can be used as a backend service for Flutter apps</a:t>
             </a:r>
           </a:p>
           <a:p>
@@ -4896,6 +7626,66 @@
           </a:p>
         </p:txBody>
       </p:sp>
+      <p:pic>
+        <p:nvPicPr>
+          <p:cNvPr id="5" name="Picture 4">
+            <a:extLst>
+              <a:ext uri="{FF2B5EF4-FFF2-40B4-BE49-F238E27FC236}">
+                <a16:creationId xmlns:a16="http://schemas.microsoft.com/office/drawing/2014/main" id="{FADCEA8A-D5A1-2B2B-571F-0EEFC6726927}"/>
+              </a:ext>
+            </a:extLst>
+          </p:cNvPr>
+          <p:cNvPicPr>
+            <a:picLocks noChangeAspect="1"/>
+          </p:cNvPicPr>
+          <p:nvPr/>
+        </p:nvPicPr>
+        <p:blipFill>
+          <a:blip r:embed="rId3"/>
+          <a:stretch>
+            <a:fillRect/>
+          </a:stretch>
+        </p:blipFill>
+        <p:spPr>
+          <a:xfrm>
+            <a:off x="8526404" y="-33867"/>
+            <a:ext cx="3784275" cy="6858000"/>
+          </a:xfrm>
+          <a:prstGeom prst="rect">
+            <a:avLst/>
+          </a:prstGeom>
+        </p:spPr>
+      </p:pic>
+      <p:pic>
+        <p:nvPicPr>
+          <p:cNvPr id="7" name="Picture 6">
+            <a:extLst>
+              <a:ext uri="{FF2B5EF4-FFF2-40B4-BE49-F238E27FC236}">
+                <a16:creationId xmlns:a16="http://schemas.microsoft.com/office/drawing/2014/main" id="{2A2A92D6-ED66-946B-BDE7-FBB245AB79F4}"/>
+              </a:ext>
+            </a:extLst>
+          </p:cNvPr>
+          <p:cNvPicPr>
+            <a:picLocks noChangeAspect="1"/>
+          </p:cNvPicPr>
+          <p:nvPr/>
+        </p:nvPicPr>
+        <p:blipFill>
+          <a:blip r:embed="rId4"/>
+          <a:stretch>
+            <a:fillRect/>
+          </a:stretch>
+        </p:blipFill>
+        <p:spPr>
+          <a:xfrm>
+            <a:off x="0" y="959556"/>
+            <a:ext cx="8526404" cy="4572001"/>
+          </a:xfrm>
+          <a:prstGeom prst="rect">
+            <a:avLst/>
+          </a:prstGeom>
+        </p:spPr>
+      </p:pic>
     </p:spTree>
     <p:extLst>
       <p:ext uri="{BB962C8B-B14F-4D97-AF65-F5344CB8AC3E}">
@@ -4906,6 +7696,216 @@
   <p:clrMapOvr>
     <a:masterClrMapping/>
   </p:clrMapOvr>
+  <p:timing>
+    <p:tnLst>
+      <p:par>
+        <p:cTn id="1" dur="indefinite" restart="never" nodeType="tmRoot">
+          <p:childTnLst>
+            <p:seq concurrent="1" nextAc="seek">
+              <p:cTn id="2" dur="indefinite" nodeType="mainSeq">
+                <p:childTnLst>
+                  <p:par>
+                    <p:cTn id="3" fill="hold">
+                      <p:stCondLst>
+                        <p:cond delay="indefinite"/>
+                      </p:stCondLst>
+                      <p:childTnLst>
+                        <p:par>
+                          <p:cTn id="4" fill="hold">
+                            <p:stCondLst>
+                              <p:cond delay="0"/>
+                            </p:stCondLst>
+                            <p:childTnLst>
+                              <p:par>
+                                <p:cTn id="5" presetID="1" presetClass="entr" presetSubtype="0" fill="hold" nodeType="clickEffect">
+                                  <p:stCondLst>
+                                    <p:cond delay="0"/>
+                                  </p:stCondLst>
+                                  <p:childTnLst>
+                                    <p:set>
+                                      <p:cBhvr>
+                                        <p:cTn id="6" dur="1" fill="hold">
+                                          <p:stCondLst>
+                                            <p:cond delay="0"/>
+                                          </p:stCondLst>
+                                        </p:cTn>
+                                        <p:tgtEl>
+                                          <p:spTgt spid="5"/>
+                                        </p:tgtEl>
+                                        <p:attrNameLst>
+                                          <p:attrName>style.visibility</p:attrName>
+                                        </p:attrNameLst>
+                                      </p:cBhvr>
+                                      <p:to>
+                                        <p:strVal val="visible"/>
+                                      </p:to>
+                                    </p:set>
+                                  </p:childTnLst>
+                                </p:cTn>
+                              </p:par>
+                            </p:childTnLst>
+                          </p:cTn>
+                        </p:par>
+                      </p:childTnLst>
+                    </p:cTn>
+                  </p:par>
+                  <p:par>
+                    <p:cTn id="7" fill="hold">
+                      <p:stCondLst>
+                        <p:cond delay="indefinite"/>
+                      </p:stCondLst>
+                      <p:childTnLst>
+                        <p:par>
+                          <p:cTn id="8" fill="hold">
+                            <p:stCondLst>
+                              <p:cond delay="0"/>
+                            </p:stCondLst>
+                            <p:childTnLst>
+                              <p:par>
+                                <p:cTn id="9" presetID="1" presetClass="entr" presetSubtype="0" fill="hold" nodeType="clickEffect">
+                                  <p:stCondLst>
+                                    <p:cond delay="0"/>
+                                  </p:stCondLst>
+                                  <p:childTnLst>
+                                    <p:set>
+                                      <p:cBhvr>
+                                        <p:cTn id="10" dur="1" fill="hold">
+                                          <p:stCondLst>
+                                            <p:cond delay="0"/>
+                                          </p:stCondLst>
+                                        </p:cTn>
+                                        <p:tgtEl>
+                                          <p:spTgt spid="7"/>
+                                        </p:tgtEl>
+                                        <p:attrNameLst>
+                                          <p:attrName>style.visibility</p:attrName>
+                                        </p:attrNameLst>
+                                      </p:cBhvr>
+                                      <p:to>
+                                        <p:strVal val="visible"/>
+                                      </p:to>
+                                    </p:set>
+                                  </p:childTnLst>
+                                </p:cTn>
+                              </p:par>
+                            </p:childTnLst>
+                          </p:cTn>
+                        </p:par>
+                      </p:childTnLst>
+                    </p:cTn>
+                  </p:par>
+                  <p:par>
+                    <p:cTn id="11" fill="hold">
+                      <p:stCondLst>
+                        <p:cond delay="indefinite"/>
+                      </p:stCondLst>
+                      <p:childTnLst>
+                        <p:par>
+                          <p:cTn id="12" fill="hold">
+                            <p:stCondLst>
+                              <p:cond delay="0"/>
+                            </p:stCondLst>
+                            <p:childTnLst>
+                              <p:par>
+                                <p:cTn id="13" presetID="1" presetClass="exit" presetSubtype="0" fill="hold" nodeType="clickEffect">
+                                  <p:stCondLst>
+                                    <p:cond delay="0"/>
+                                  </p:stCondLst>
+                                  <p:childTnLst>
+                                    <p:set>
+                                      <p:cBhvr>
+                                        <p:cTn id="14" dur="1" fill="hold">
+                                          <p:stCondLst>
+                                            <p:cond delay="0"/>
+                                          </p:stCondLst>
+                                        </p:cTn>
+                                        <p:tgtEl>
+                                          <p:spTgt spid="5"/>
+                                        </p:tgtEl>
+                                        <p:attrNameLst>
+                                          <p:attrName>style.visibility</p:attrName>
+                                        </p:attrNameLst>
+                                      </p:cBhvr>
+                                      <p:to>
+                                        <p:strVal val="hidden"/>
+                                      </p:to>
+                                    </p:set>
+                                  </p:childTnLst>
+                                </p:cTn>
+                              </p:par>
+                            </p:childTnLst>
+                          </p:cTn>
+                        </p:par>
+                      </p:childTnLst>
+                    </p:cTn>
+                  </p:par>
+                  <p:par>
+                    <p:cTn id="15" fill="hold">
+                      <p:stCondLst>
+                        <p:cond delay="indefinite"/>
+                      </p:stCondLst>
+                      <p:childTnLst>
+                        <p:par>
+                          <p:cTn id="16" fill="hold">
+                            <p:stCondLst>
+                              <p:cond delay="0"/>
+                            </p:stCondLst>
+                            <p:childTnLst>
+                              <p:par>
+                                <p:cTn id="17" presetID="1" presetClass="exit" presetSubtype="0" fill="hold" nodeType="clickEffect">
+                                  <p:stCondLst>
+                                    <p:cond delay="0"/>
+                                  </p:stCondLst>
+                                  <p:childTnLst>
+                                    <p:set>
+                                      <p:cBhvr>
+                                        <p:cTn id="18" dur="1" fill="hold">
+                                          <p:stCondLst>
+                                            <p:cond delay="0"/>
+                                          </p:stCondLst>
+                                        </p:cTn>
+                                        <p:tgtEl>
+                                          <p:spTgt spid="7"/>
+                                        </p:tgtEl>
+                                        <p:attrNameLst>
+                                          <p:attrName>style.visibility</p:attrName>
+                                        </p:attrNameLst>
+                                      </p:cBhvr>
+                                      <p:to>
+                                        <p:strVal val="hidden"/>
+                                      </p:to>
+                                    </p:set>
+                                  </p:childTnLst>
+                                </p:cTn>
+                              </p:par>
+                            </p:childTnLst>
+                          </p:cTn>
+                        </p:par>
+                      </p:childTnLst>
+                    </p:cTn>
+                  </p:par>
+                </p:childTnLst>
+              </p:cTn>
+              <p:prevCondLst>
+                <p:cond evt="onPrev" delay="0">
+                  <p:tgtEl>
+                    <p:sldTgt/>
+                  </p:tgtEl>
+                </p:cond>
+              </p:prevCondLst>
+              <p:nextCondLst>
+                <p:cond evt="onNext" delay="0">
+                  <p:tgtEl>
+                    <p:sldTgt/>
+                  </p:tgtEl>
+                </p:cond>
+              </p:nextCondLst>
+            </p:seq>
+          </p:childTnLst>
+        </p:cTn>
+      </p:par>
+    </p:tnLst>
+  </p:timing>
 </p:sld>
 </file>
 
@@ -4994,7 +7994,7 @@
             </a:pPr>
             <a:r>
               <a:rPr lang="en-US" dirty="0"/>
-              <a:t>Large and growing open-source community.</a:t>
+              <a:t>Large and growing open-source community</a:t>
             </a:r>
           </a:p>
           <a:p>
@@ -5014,8 +8014,13 @@
             </a:pPr>
             <a:r>
               <a:rPr lang="en-US" dirty="0"/>
-              <a:t>Official documentation, YouTube channel, Community Medium, StackOverflow.</a:t>
-            </a:r>
+              <a:t>Official documentation, YouTube channel, Community Medium, </a:t>
+            </a:r>
+            <a:r>
+              <a:rPr lang="en-US" dirty="0" err="1"/>
+              <a:t>StackOverflow</a:t>
+            </a:r>
+            <a:endParaRPr lang="en-US" dirty="0"/>
           </a:p>
           <a:p>
             <a:pPr>
@@ -5034,7 +8039,7 @@
             </a:pPr>
             <a:r>
               <a:rPr lang="en-US" dirty="0"/>
-              <a:t>Report issues, propose changes, write code to improve Flutter.</a:t>
+              <a:t>Report issues, propose changes, write code to improve Flutter</a:t>
             </a:r>
           </a:p>
           <a:p>
@@ -5122,7 +8127,9 @@
         </p:nvSpPr>
         <p:spPr/>
         <p:txBody>
-          <a:bodyPr anchor="ctr"/>
+          <a:bodyPr anchor="ctr">
+            <a:normAutofit/>
+          </a:bodyPr>
           <a:lstStyle/>
           <a:p>
             <a:pPr>
@@ -5141,7 +8148,7 @@
             </a:pPr>
             <a:r>
               <a:rPr lang="en-US" dirty="0"/>
-              <a:t>Rapid growth and adoption by companies worldwide.</a:t>
+              <a:t>Rapid growth and adoption by companies worldwide</a:t>
             </a:r>
           </a:p>
           <a:p>
@@ -5161,7 +8168,7 @@
             </a:pPr>
             <a:r>
               <a:rPr lang="en-US" dirty="0"/>
-              <a:t>Powerful framework for developing mobile applications.</a:t>
+              <a:t>Powerful framework for developing mobile applications</a:t>
             </a:r>
           </a:p>
           <a:p>
@@ -5171,7 +8178,7 @@
             </a:pPr>
             <a:r>
               <a:rPr lang="en-US" dirty="0"/>
-              <a:t>Advantages: cross-platform development, hot reload, high performance.</a:t>
+              <a:t>Advantages: cross-platform development, hot reload, high performance</a:t>
             </a:r>
           </a:p>
           <a:p>
@@ -5854,7 +8861,7 @@
             </a:pPr>
             <a:r>
               <a:rPr lang="en-US" dirty="0"/>
-              <a:t>Open-source UI software development kit by Google.</a:t>
+              <a:t>Open-source UI software development kit by Google</a:t>
             </a:r>
           </a:p>
           <a:p>
@@ -5864,13 +8871,18 @@
             </a:pPr>
             <a:r>
               <a:rPr lang="en-US" dirty="0"/>
-              <a:t>Develops applications for multiple platforms from a single codebase.</a:t>
-            </a:r>
-          </a:p>
-          <a:p>
-            <a:pPr marL="0" indent="0">
-              <a:buNone/>
-            </a:pPr>
+              <a:t>Develop applications for multiple platforms from a single codebase</a:t>
+            </a:r>
+          </a:p>
+          <a:p>
+            <a:pPr>
+              <a:buFont typeface="Arial" panose="020B0604020202020204" pitchFamily="34" charset="0"/>
+              <a:buChar char="•"/>
+            </a:pPr>
+            <a:r>
+              <a:rPr lang="en-US" dirty="0"/>
+              <a:t>Uses Dart language to provide its own widgets</a:t>
+            </a:r>
             <a:endParaRPr lang="de-DE" dirty="0"/>
           </a:p>
         </p:txBody>
@@ -5964,7 +8976,7 @@
             </a:pPr>
             <a:r>
               <a:rPr lang="en-US" dirty="0"/>
-              <a:t>Code once, deploy on multiple platforms.</a:t>
+              <a:t>Code once, deploy on multiple platforms</a:t>
             </a:r>
           </a:p>
           <a:p>
@@ -5974,7 +8986,16 @@
             </a:pPr>
             <a:r>
               <a:rPr lang="en-US" dirty="0"/>
-              <a:t>Saves development time and resources.</a:t>
+              <a:t>Complete framework with everything needed to create mobile apps</a:t>
+            </a:r>
+          </a:p>
+          <a:p>
+            <a:pPr marL="0" indent="0">
+              <a:buNone/>
+            </a:pPr>
+            <a:r>
+              <a:rPr lang="en-US" dirty="0"/>
+              <a:t>=&gt; Saves development time and resources</a:t>
             </a:r>
           </a:p>
           <a:p>
@@ -6080,7 +9101,7 @@
             </a:pPr>
             <a:r>
               <a:rPr lang="en-US" dirty="0"/>
-              <a:t>Announced at Google’s I/O conference in May 2017.</a:t>
+              <a:t>Announced at Google’s I/O conference in May 2017</a:t>
             </a:r>
           </a:p>
           <a:p>
@@ -6100,7 +9121,7 @@
             </a:pPr>
             <a:r>
               <a:rPr lang="en-US" dirty="0"/>
-              <a:t>Flutter 1.0 released in December 2018.</a:t>
+              <a:t>Flutter 1.0 released in December 2018</a:t>
             </a:r>
           </a:p>
           <a:p>
@@ -6120,7 +9141,7 @@
             </a:pPr>
             <a:r>
               <a:rPr lang="en-US" dirty="0"/>
-              <a:t>Regular updates and new features since release. </a:t>
+              <a:t>Regular updates and new features since release</a:t>
             </a:r>
           </a:p>
           <a:p>
@@ -6232,7 +9253,7 @@
             </a:pPr>
             <a:r>
               <a:rPr lang="en-US" dirty="0"/>
-              <a:t>Object-oriented and strongly typed.</a:t>
+              <a:t>Object-oriented and strongly typed</a:t>
             </a:r>
           </a:p>
           <a:p>
@@ -6242,7 +9263,17 @@
             </a:pPr>
             <a:r>
               <a:rPr lang="en-US" dirty="0"/>
-              <a:t>Easy to understand for JavaScript or Java developers.</a:t>
+              <a:t>Easy to understand for JavaScript or Java developers</a:t>
+            </a:r>
+          </a:p>
+          <a:p>
+            <a:pPr>
+              <a:buFont typeface="Arial" panose="020B0604020202020204" pitchFamily="34" charset="0"/>
+              <a:buChar char="•"/>
+            </a:pPr>
+            <a:r>
+              <a:rPr lang="en-US" dirty="0"/>
+              <a:t>No need for a separate declarative layout language</a:t>
             </a:r>
           </a:p>
           <a:p>
@@ -6346,7 +9377,7 @@
             </a:pPr>
             <a:r>
               <a:rPr lang="en-US" dirty="0"/>
-              <a:t>Based on reactive programming.</a:t>
+              <a:t>Based on reactive programming</a:t>
             </a:r>
           </a:p>
           <a:p>
@@ -6356,7 +9387,7 @@
             </a:pPr>
             <a:r>
               <a:rPr lang="en-US" dirty="0"/>
-              <a:t>Everything is a widget.</a:t>
+              <a:t>Everything is a widget</a:t>
             </a:r>
           </a:p>
           <a:p>
@@ -6455,7 +9486,7 @@
             </a:pPr>
             <a:r>
               <a:rPr lang="en-US" dirty="0"/>
-              <a:t>Built in C++.</a:t>
+              <a:t>Built in C++</a:t>
             </a:r>
           </a:p>
           <a:p>
@@ -6465,7 +9496,17 @@
             </a:pPr>
             <a:r>
               <a:rPr lang="en-US" dirty="0"/>
-              <a:t>Supports low-level rendering.</a:t>
+              <a:t>Supports low-level rendering</a:t>
+            </a:r>
+          </a:p>
+          <a:p>
+            <a:pPr>
+              <a:buFont typeface="Arial" panose="020B0604020202020204" pitchFamily="34" charset="0"/>
+              <a:buChar char="•"/>
+            </a:pPr>
+            <a:r>
+              <a:rPr lang="en-US" dirty="0"/>
+              <a:t>Responsible for system events, input and gestures, and compiling Dart code into native machine code</a:t>
             </a:r>
           </a:p>
           <a:p>
@@ -6569,7 +9610,7 @@
             </a:pPr>
             <a:r>
               <a:rPr lang="en-US" dirty="0"/>
-              <a:t>Code once, run on multiple platforms.</a:t>
+              <a:t>Code once, run on multiple platforms</a:t>
             </a:r>
           </a:p>
           <a:p>
@@ -6589,7 +9630,7 @@
             </a:pPr>
             <a:r>
               <a:rPr lang="en-US" dirty="0"/>
-              <a:t>See changes in code instantly in the app.</a:t>
+              <a:t>See changes in code instantly in the app</a:t>
             </a:r>
           </a:p>
           <a:p>
@@ -6609,7 +9650,7 @@
             </a:pPr>
             <a:r>
               <a:rPr lang="en-US" dirty="0"/>
-              <a:t>Full native performance on both iOS and Android.</a:t>
+              <a:t>Full native performance on both iOS and Android</a:t>
             </a:r>
           </a:p>
           <a:p>
@@ -6832,4 +9873,299 @@
     </a:ext>
   </a:extLst>
 </a:theme>
+</file>
+
+<file path=ppt/theme/theme2.xml><?xml version="1.0" encoding="utf-8"?>
+<a:theme xmlns:a="http://schemas.openxmlformats.org/drawingml/2006/main" name="Office Theme">
+  <a:themeElements>
+    <a:clrScheme name="Office">
+      <a:dk1>
+        <a:sysClr val="windowText" lastClr="000000"/>
+      </a:dk1>
+      <a:lt1>
+        <a:sysClr val="window" lastClr="FFFFFF"/>
+      </a:lt1>
+      <a:dk2>
+        <a:srgbClr val="44546A"/>
+      </a:dk2>
+      <a:lt2>
+        <a:srgbClr val="E7E6E6"/>
+      </a:lt2>
+      <a:accent1>
+        <a:srgbClr val="4472C4"/>
+      </a:accent1>
+      <a:accent2>
+        <a:srgbClr val="ED7D31"/>
+      </a:accent2>
+      <a:accent3>
+        <a:srgbClr val="A5A5A5"/>
+      </a:accent3>
+      <a:accent4>
+        <a:srgbClr val="FFC000"/>
+      </a:accent4>
+      <a:accent5>
+        <a:srgbClr val="5B9BD5"/>
+      </a:accent5>
+      <a:accent6>
+        <a:srgbClr val="70AD47"/>
+      </a:accent6>
+      <a:hlink>
+        <a:srgbClr val="0563C1"/>
+      </a:hlink>
+      <a:folHlink>
+        <a:srgbClr val="954F72"/>
+      </a:folHlink>
+    </a:clrScheme>
+    <a:fontScheme name="Office">
+      <a:majorFont>
+        <a:latin typeface="Calibri Light" panose="020F0302020204030204"/>
+        <a:ea typeface=""/>
+        <a:cs typeface=""/>
+        <a:font script="Jpan" typeface="游ゴシック Light"/>
+        <a:font script="Hang" typeface="맑은 고딕"/>
+        <a:font script="Hans" typeface="等线 Light"/>
+        <a:font script="Hant" typeface="新細明體"/>
+        <a:font script="Arab" typeface="Times New Roman"/>
+        <a:font script="Hebr" typeface="Times New Roman"/>
+        <a:font script="Thai" typeface="Angsana New"/>
+        <a:font script="Ethi" typeface="Nyala"/>
+        <a:font script="Beng" typeface="Vrinda"/>
+        <a:font script="Gujr" typeface="Shruti"/>
+        <a:font script="Khmr" typeface="MoolBoran"/>
+        <a:font script="Knda" typeface="Tunga"/>
+        <a:font script="Guru" typeface="Raavi"/>
+        <a:font script="Cans" typeface="Euphemia"/>
+        <a:font script="Cher" typeface="Plantagenet Cherokee"/>
+        <a:font script="Yiii" typeface="Microsoft Yi Baiti"/>
+        <a:font script="Tibt" typeface="Microsoft Himalaya"/>
+        <a:font script="Thaa" typeface="MV Boli"/>
+        <a:font script="Deva" typeface="Mangal"/>
+        <a:font script="Telu" typeface="Gautami"/>
+        <a:font script="Taml" typeface="Latha"/>
+        <a:font script="Syrc" typeface="Estrangelo Edessa"/>
+        <a:font script="Orya" typeface="Kalinga"/>
+        <a:font script="Mlym" typeface="Kartika"/>
+        <a:font script="Laoo" typeface="DokChampa"/>
+        <a:font script="Sinh" typeface="Iskoola Pota"/>
+        <a:font script="Mong" typeface="Mongolian Baiti"/>
+        <a:font script="Viet" typeface="Times New Roman"/>
+        <a:font script="Uigh" typeface="Microsoft Uighur"/>
+        <a:font script="Geor" typeface="Sylfaen"/>
+        <a:font script="Armn" typeface="Arial"/>
+        <a:font script="Bugi" typeface="Leelawadee UI"/>
+        <a:font script="Bopo" typeface="Microsoft JhengHei"/>
+        <a:font script="Java" typeface="Javanese Text"/>
+        <a:font script="Lisu" typeface="Segoe UI"/>
+        <a:font script="Mymr" typeface="Myanmar Text"/>
+        <a:font script="Nkoo" typeface="Ebrima"/>
+        <a:font script="Olck" typeface="Nirmala UI"/>
+        <a:font script="Osma" typeface="Ebrima"/>
+        <a:font script="Phag" typeface="Phagspa"/>
+        <a:font script="Syrn" typeface="Estrangelo Edessa"/>
+        <a:font script="Syrj" typeface="Estrangelo Edessa"/>
+        <a:font script="Syre" typeface="Estrangelo Edessa"/>
+        <a:font script="Sora" typeface="Nirmala UI"/>
+        <a:font script="Tale" typeface="Microsoft Tai Le"/>
+        <a:font script="Talu" typeface="Microsoft New Tai Lue"/>
+        <a:font script="Tfng" typeface="Ebrima"/>
+      </a:majorFont>
+      <a:minorFont>
+        <a:latin typeface="Calibri" panose="020F0502020204030204"/>
+        <a:ea typeface=""/>
+        <a:cs typeface=""/>
+        <a:font script="Jpan" typeface="游ゴシック"/>
+        <a:font script="Hang" typeface="맑은 고딕"/>
+        <a:font script="Hans" typeface="等线"/>
+        <a:font script="Hant" typeface="新細明體"/>
+        <a:font script="Arab" typeface="Arial"/>
+        <a:font script="Hebr" typeface="Arial"/>
+        <a:font script="Thai" typeface="Cordia New"/>
+        <a:font script="Ethi" typeface="Nyala"/>
+        <a:font script="Beng" typeface="Vrinda"/>
+        <a:font script="Gujr" typeface="Shruti"/>
+        <a:font script="Khmr" typeface="DaunPenh"/>
+        <a:font script="Knda" typeface="Tunga"/>
+        <a:font script="Guru" typeface="Raavi"/>
+        <a:font script="Cans" typeface="Euphemia"/>
+        <a:font script="Cher" typeface="Plantagenet Cherokee"/>
+        <a:font script="Yiii" typeface="Microsoft Yi Baiti"/>
+        <a:font script="Tibt" typeface="Microsoft Himalaya"/>
+        <a:font script="Thaa" typeface="MV Boli"/>
+        <a:font script="Deva" typeface="Mangal"/>
+        <a:font script="Telu" typeface="Gautami"/>
+        <a:font script="Taml" typeface="Latha"/>
+        <a:font script="Syrc" typeface="Estrangelo Edessa"/>
+        <a:font script="Orya" typeface="Kalinga"/>
+        <a:font script="Mlym" typeface="Kartika"/>
+        <a:font script="Laoo" typeface="DokChampa"/>
+        <a:font script="Sinh" typeface="Iskoola Pota"/>
+        <a:font script="Mong" typeface="Mongolian Baiti"/>
+        <a:font script="Viet" typeface="Arial"/>
+        <a:font script="Uigh" typeface="Microsoft Uighur"/>
+        <a:font script="Geor" typeface="Sylfaen"/>
+        <a:font script="Armn" typeface="Arial"/>
+        <a:font script="Bugi" typeface="Leelawadee UI"/>
+        <a:font script="Bopo" typeface="Microsoft JhengHei"/>
+        <a:font script="Java" typeface="Javanese Text"/>
+        <a:font script="Lisu" typeface="Segoe UI"/>
+        <a:font script="Mymr" typeface="Myanmar Text"/>
+        <a:font script="Nkoo" typeface="Ebrima"/>
+        <a:font script="Olck" typeface="Nirmala UI"/>
+        <a:font script="Osma" typeface="Ebrima"/>
+        <a:font script="Phag" typeface="Phagspa"/>
+        <a:font script="Syrn" typeface="Estrangelo Edessa"/>
+        <a:font script="Syrj" typeface="Estrangelo Edessa"/>
+        <a:font script="Syre" typeface="Estrangelo Edessa"/>
+        <a:font script="Sora" typeface="Nirmala UI"/>
+        <a:font script="Tale" typeface="Microsoft Tai Le"/>
+        <a:font script="Talu" typeface="Microsoft New Tai Lue"/>
+        <a:font script="Tfng" typeface="Ebrima"/>
+      </a:minorFont>
+    </a:fontScheme>
+    <a:fmtScheme name="Office">
+      <a:fillStyleLst>
+        <a:solidFill>
+          <a:schemeClr val="phClr"/>
+        </a:solidFill>
+        <a:gradFill rotWithShape="1">
+          <a:gsLst>
+            <a:gs pos="0">
+              <a:schemeClr val="phClr">
+                <a:lumMod val="110000"/>
+                <a:satMod val="105000"/>
+                <a:tint val="67000"/>
+              </a:schemeClr>
+            </a:gs>
+            <a:gs pos="50000">
+              <a:schemeClr val="phClr">
+                <a:lumMod val="105000"/>
+                <a:satMod val="103000"/>
+                <a:tint val="73000"/>
+              </a:schemeClr>
+            </a:gs>
+            <a:gs pos="100000">
+              <a:schemeClr val="phClr">
+                <a:lumMod val="105000"/>
+                <a:satMod val="109000"/>
+                <a:tint val="81000"/>
+              </a:schemeClr>
+            </a:gs>
+          </a:gsLst>
+          <a:lin ang="5400000" scaled="0"/>
+        </a:gradFill>
+        <a:gradFill rotWithShape="1">
+          <a:gsLst>
+            <a:gs pos="0">
+              <a:schemeClr val="phClr">
+                <a:satMod val="103000"/>
+                <a:lumMod val="102000"/>
+                <a:tint val="94000"/>
+              </a:schemeClr>
+            </a:gs>
+            <a:gs pos="50000">
+              <a:schemeClr val="phClr">
+                <a:satMod val="110000"/>
+                <a:lumMod val="100000"/>
+                <a:shade val="100000"/>
+              </a:schemeClr>
+            </a:gs>
+            <a:gs pos="100000">
+              <a:schemeClr val="phClr">
+                <a:lumMod val="99000"/>
+                <a:satMod val="120000"/>
+                <a:shade val="78000"/>
+              </a:schemeClr>
+            </a:gs>
+          </a:gsLst>
+          <a:lin ang="5400000" scaled="0"/>
+        </a:gradFill>
+      </a:fillStyleLst>
+      <a:lnStyleLst>
+        <a:ln w="6350" cap="flat" cmpd="sng" algn="ctr">
+          <a:solidFill>
+            <a:schemeClr val="phClr"/>
+          </a:solidFill>
+          <a:prstDash val="solid"/>
+          <a:miter lim="800000"/>
+        </a:ln>
+        <a:ln w="12700" cap="flat" cmpd="sng" algn="ctr">
+          <a:solidFill>
+            <a:schemeClr val="phClr"/>
+          </a:solidFill>
+          <a:prstDash val="solid"/>
+          <a:miter lim="800000"/>
+        </a:ln>
+        <a:ln w="19050" cap="flat" cmpd="sng" algn="ctr">
+          <a:solidFill>
+            <a:schemeClr val="phClr"/>
+          </a:solidFill>
+          <a:prstDash val="solid"/>
+          <a:miter lim="800000"/>
+        </a:ln>
+      </a:lnStyleLst>
+      <a:effectStyleLst>
+        <a:effectStyle>
+          <a:effectLst/>
+        </a:effectStyle>
+        <a:effectStyle>
+          <a:effectLst/>
+        </a:effectStyle>
+        <a:effectStyle>
+          <a:effectLst>
+            <a:outerShdw blurRad="57150" dist="19050" dir="5400000" algn="ctr" rotWithShape="0">
+              <a:srgbClr val="000000">
+                <a:alpha val="63000"/>
+              </a:srgbClr>
+            </a:outerShdw>
+          </a:effectLst>
+        </a:effectStyle>
+      </a:effectStyleLst>
+      <a:bgFillStyleLst>
+        <a:solidFill>
+          <a:schemeClr val="phClr"/>
+        </a:solidFill>
+        <a:solidFill>
+          <a:schemeClr val="phClr">
+            <a:tint val="95000"/>
+            <a:satMod val="170000"/>
+          </a:schemeClr>
+        </a:solidFill>
+        <a:gradFill rotWithShape="1">
+          <a:gsLst>
+            <a:gs pos="0">
+              <a:schemeClr val="phClr">
+                <a:tint val="93000"/>
+                <a:satMod val="150000"/>
+                <a:shade val="98000"/>
+                <a:lumMod val="102000"/>
+              </a:schemeClr>
+            </a:gs>
+            <a:gs pos="50000">
+              <a:schemeClr val="phClr">
+                <a:tint val="98000"/>
+                <a:satMod val="130000"/>
+                <a:shade val="90000"/>
+                <a:lumMod val="103000"/>
+              </a:schemeClr>
+            </a:gs>
+            <a:gs pos="100000">
+              <a:schemeClr val="phClr">
+                <a:shade val="63000"/>
+                <a:satMod val="120000"/>
+              </a:schemeClr>
+            </a:gs>
+          </a:gsLst>
+          <a:lin ang="5400000" scaled="0"/>
+        </a:gradFill>
+      </a:bgFillStyleLst>
+    </a:fmtScheme>
+  </a:themeElements>
+  <a:objectDefaults/>
+  <a:extraClrSchemeLst/>
+  <a:extLst>
+    <a:ext uri="{05A4C25C-085E-4340-85A3-A5531E510DB2}">
+      <thm15:themeFamily xmlns:thm15="http://schemas.microsoft.com/office/thememl/2012/main" name="Office Theme" id="{62F939B6-93AF-4DB8-9C6B-D6C7DFDC589F}" vid="{4A3C46E8-61CC-4603-A589-7422A47A8E4A}"/>
+    </a:ext>
+  </a:extLst>
+</a:theme>
 </file>